--- a/term2/sprint17/sprint17.pptx
+++ b/term2/sprint17/sprint17.pptx
@@ -9,6 +9,7 @@
     <p:sldId id="257" r:id="rId3"/>
     <p:sldId id="260" r:id="rId4"/>
     <p:sldId id="259" r:id="rId5"/>
+    <p:sldId id="261" r:id="rId6"/>
   </p:sldIdLst>
   <p:sldSz cx="12192000" cy="6858000"/>
   <p:notesSz cx="6858000" cy="9144000"/>
@@ -3686,7 +3687,7 @@
         <p:spPr>
           <a:xfrm>
             <a:off x="6463548" y="5720742"/>
-            <a:ext cx="5420591" cy="738664"/>
+            <a:ext cx="5420591" cy="830997"/>
           </a:xfrm>
           <a:prstGeom prst="rect">
             <a:avLst/>
@@ -3703,7 +3704,7 @@
           <a:lstStyle/>
           <a:p>
             <a:r>
-              <a:rPr kumimoji="1" lang="en-US" altLang="ja-JP" sz="1050" dirty="0" smtClean="0">
+              <a:rPr kumimoji="1" lang="en-US" altLang="ja-JP" sz="1200" dirty="0" smtClean="0">
                 <a:latin typeface="メイリオ"/>
                 <a:ea typeface="メイリオ"/>
                 <a:cs typeface="メイリオ"/>
@@ -3711,7 +3712,7 @@
               <a:t>RPN</a:t>
             </a:r>
             <a:r>
-              <a:rPr kumimoji="1" lang="ja-JP" altLang="en-US" sz="1050" dirty="0" smtClean="0">
+              <a:rPr kumimoji="1" lang="ja-JP" altLang="en-US" sz="1200" dirty="0" smtClean="0">
                 <a:latin typeface="メイリオ"/>
                 <a:ea typeface="メイリオ"/>
                 <a:cs typeface="メイリオ"/>
@@ -3719,7 +3720,7 @@
               <a:t>で利用されている</a:t>
             </a:r>
             <a:r>
-              <a:rPr kumimoji="1" lang="en-US" altLang="ja-JP" sz="1050" dirty="0" smtClean="0">
+              <a:rPr kumimoji="1" lang="en-US" altLang="ja-JP" sz="1200" dirty="0" smtClean="0">
                 <a:latin typeface="メイリオ"/>
                 <a:ea typeface="メイリオ"/>
                 <a:cs typeface="メイリオ"/>
@@ -3727,7 +3728,7 @@
               <a:t>Fully CNN</a:t>
             </a:r>
             <a:r>
-              <a:rPr kumimoji="1" lang="ja-JP" altLang="en-US" sz="1050" dirty="0" smtClean="0">
+              <a:rPr kumimoji="1" lang="ja-JP" altLang="en-US" sz="1200" dirty="0" smtClean="0">
                 <a:latin typeface="メイリオ"/>
                 <a:ea typeface="メイリオ"/>
                 <a:cs typeface="メイリオ"/>
@@ -3735,7 +3736,7 @@
               <a:t>と</a:t>
             </a:r>
             <a:r>
-              <a:rPr kumimoji="1" lang="en-US" altLang="ja-JP" sz="1050" dirty="0" smtClean="0">
+              <a:rPr kumimoji="1" lang="en-US" altLang="ja-JP" sz="1200" dirty="0" smtClean="0">
                 <a:latin typeface="メイリオ"/>
                 <a:ea typeface="メイリオ"/>
                 <a:cs typeface="メイリオ"/>
@@ -3743,14 +3744,14 @@
               <a:t>VGG-16</a:t>
             </a:r>
             <a:r>
-              <a:rPr kumimoji="1" lang="ja-JP" altLang="en-US" sz="1050" dirty="0" smtClean="0">
+              <a:rPr kumimoji="1" lang="ja-JP" altLang="en-US" sz="1200" dirty="0" smtClean="0">
                 <a:latin typeface="メイリオ"/>
                 <a:ea typeface="メイリオ"/>
                 <a:cs typeface="メイリオ"/>
               </a:rPr>
               <a:t>について深掘りする</a:t>
             </a:r>
-            <a:endParaRPr kumimoji="1" lang="en-US" altLang="ja-JP" sz="1050" dirty="0" smtClean="0">
+            <a:endParaRPr kumimoji="1" lang="en-US" altLang="ja-JP" sz="1200" dirty="0" smtClean="0">
               <a:latin typeface="メイリオ"/>
               <a:ea typeface="メイリオ"/>
               <a:cs typeface="メイリオ"/>
@@ -3762,7 +3763,7 @@
               <a:buChar char="•"/>
             </a:pPr>
             <a:r>
-              <a:rPr lang="en-US" altLang="ja-JP" sz="1050" dirty="0">
+              <a:rPr lang="en-US" altLang="ja-JP" sz="1200" dirty="0">
                 <a:latin typeface="メイリオ"/>
                 <a:ea typeface="メイリオ"/>
                 <a:cs typeface="メイリオ"/>
@@ -3770,7 +3771,7 @@
               <a:t>Fully convolutional networks for semantic </a:t>
             </a:r>
             <a:r>
-              <a:rPr lang="en-US" altLang="ja-JP" sz="1050" dirty="0" smtClean="0">
+              <a:rPr lang="en-US" altLang="ja-JP" sz="1200" dirty="0" smtClean="0">
                 <a:latin typeface="メイリオ"/>
                 <a:ea typeface="メイリオ"/>
                 <a:cs typeface="メイリオ"/>
@@ -3778,7 +3779,7 @@
               <a:t>segmentation</a:t>
             </a:r>
             <a:r>
-              <a:rPr lang="en-US" altLang="ja-JP" sz="1050" dirty="0" smtClean="0">
+              <a:rPr lang="en-US" altLang="ja-JP" sz="1200" dirty="0" smtClean="0">
                 <a:latin typeface="メイリオ"/>
                 <a:ea typeface="メイリオ"/>
                 <a:cs typeface="メイリオ"/>
@@ -3792,7 +3793,7 @@
               <a:buChar char="•"/>
             </a:pPr>
             <a:r>
-              <a:rPr lang="en-US" altLang="ja-JP" sz="1050" dirty="0" smtClean="0">
+              <a:rPr lang="en-US" altLang="ja-JP" sz="1200" dirty="0" smtClean="0">
                 <a:latin typeface="メイリオ"/>
                 <a:ea typeface="メイリオ"/>
                 <a:cs typeface="メイリオ"/>
@@ -3800,7 +3801,7 @@
               <a:t>VERY </a:t>
             </a:r>
             <a:r>
-              <a:rPr lang="en-US" altLang="ja-JP" sz="1050" dirty="0">
+              <a:rPr lang="en-US" altLang="ja-JP" sz="1200" dirty="0">
                 <a:latin typeface="メイリオ"/>
                 <a:ea typeface="メイリオ"/>
                 <a:cs typeface="メイリオ"/>
@@ -3808,7 +3809,7 @@
               <a:t>DEEP CONVOLUTIONAL NETWORKS FOR LARGE-SCALE IMAGE </a:t>
             </a:r>
             <a:r>
-              <a:rPr lang="en-US" altLang="ja-JP" sz="1050" dirty="0" smtClean="0">
+              <a:rPr lang="en-US" altLang="ja-JP" sz="1200" dirty="0" smtClean="0">
                 <a:latin typeface="メイリオ"/>
                 <a:ea typeface="メイリオ"/>
                 <a:cs typeface="メイリオ"/>
@@ -3816,14 +3817,14 @@
               <a:t>RECOGNITION</a:t>
             </a:r>
             <a:r>
-              <a:rPr lang="en-US" altLang="ja-JP" sz="1050" dirty="0" smtClean="0">
+              <a:rPr lang="en-US" altLang="ja-JP" sz="1200" dirty="0" smtClean="0">
                 <a:latin typeface="メイリオ"/>
                 <a:ea typeface="メイリオ"/>
                 <a:cs typeface="メイリオ"/>
               </a:rPr>
               <a:t>, 2015.</a:t>
             </a:r>
-            <a:endParaRPr lang="ja-JP" altLang="ja-JP" sz="1050" dirty="0">
+            <a:endParaRPr lang="ja-JP" altLang="ja-JP" sz="1200" dirty="0">
               <a:latin typeface="メイリオ"/>
               <a:ea typeface="メイリオ"/>
               <a:cs typeface="メイリオ"/>
@@ -3840,7 +3841,7 @@
         <p:spPr>
           <a:xfrm>
             <a:off x="270738" y="5071321"/>
-            <a:ext cx="5420590" cy="738664"/>
+            <a:ext cx="5420590" cy="830997"/>
           </a:xfrm>
           <a:prstGeom prst="rect">
             <a:avLst/>
@@ -3861,7 +3862,7 @@
               <a:buChar char="•"/>
             </a:pPr>
             <a:r>
-              <a:rPr lang="en-US" altLang="ja-JP" sz="1050" dirty="0">
+              <a:rPr lang="en-US" altLang="ja-JP" sz="1200" dirty="0">
                 <a:latin typeface="メイリオ"/>
                 <a:ea typeface="メイリオ"/>
                 <a:cs typeface="メイリオ"/>
@@ -3869,7 +3870,7 @@
               <a:t>PASCAL VOC 2007, 2012</a:t>
             </a:r>
             <a:r>
-              <a:rPr lang="ja-JP" altLang="ja-JP" sz="1050" dirty="0">
+              <a:rPr lang="ja-JP" altLang="ja-JP" sz="1200" dirty="0">
                 <a:latin typeface="メイリオ"/>
                 <a:ea typeface="メイリオ"/>
                 <a:cs typeface="メイリオ"/>
@@ -3877,7 +3878,7 @@
               <a:t>と</a:t>
             </a:r>
             <a:r>
-              <a:rPr lang="en-US" altLang="ja-JP" sz="1050" dirty="0">
+              <a:rPr lang="en-US" altLang="ja-JP" sz="1200" dirty="0">
                 <a:latin typeface="メイリオ"/>
                 <a:ea typeface="メイリオ"/>
                 <a:cs typeface="メイリオ"/>
@@ -3885,7 +3886,7 @@
               <a:t>MS COCO datasets</a:t>
             </a:r>
             <a:r>
-              <a:rPr lang="ja-JP" altLang="ja-JP" sz="1050" dirty="0" smtClean="0">
+              <a:rPr lang="ja-JP" altLang="ja-JP" sz="1200" dirty="0" smtClean="0">
                 <a:latin typeface="メイリオ"/>
                 <a:ea typeface="メイリオ"/>
                 <a:cs typeface="メイリオ"/>
@@ -3893,14 +3894,14 @@
               <a:t>を</a:t>
             </a:r>
             <a:r>
-              <a:rPr lang="ja-JP" altLang="en-US" sz="1050" dirty="0" smtClean="0">
+              <a:rPr lang="ja-JP" altLang="en-US" sz="1200" dirty="0" smtClean="0">
                 <a:latin typeface="メイリオ"/>
                 <a:ea typeface="メイリオ"/>
                 <a:cs typeface="メイリオ"/>
               </a:rPr>
               <a:t>使用</a:t>
             </a:r>
-            <a:endParaRPr lang="en-US" altLang="ja-JP" sz="1050" dirty="0" smtClean="0">
+            <a:endParaRPr lang="en-US" altLang="ja-JP" sz="1200" dirty="0" smtClean="0">
               <a:latin typeface="メイリオ"/>
               <a:ea typeface="メイリオ"/>
               <a:cs typeface="メイリオ"/>
@@ -3912,7 +3913,7 @@
               <a:buChar char="•"/>
             </a:pPr>
             <a:r>
-              <a:rPr lang="ja-JP" altLang="ja-JP" sz="1050" dirty="0" smtClean="0">
+              <a:rPr lang="ja-JP" altLang="ja-JP" sz="1200" dirty="0" smtClean="0">
                 <a:latin typeface="メイリオ"/>
                 <a:ea typeface="メイリオ"/>
                 <a:cs typeface="メイリオ"/>
@@ -3920,7 +3921,7 @@
               <a:t>従来</a:t>
             </a:r>
             <a:r>
-              <a:rPr lang="ja-JP" altLang="ja-JP" sz="1050" dirty="0">
+              <a:rPr lang="ja-JP" altLang="ja-JP" sz="1200" dirty="0">
                 <a:latin typeface="メイリオ"/>
                 <a:ea typeface="メイリオ"/>
                 <a:cs typeface="メイリオ"/>
@@ -3928,7 +3929,7 @@
               <a:t>の</a:t>
             </a:r>
             <a:r>
-              <a:rPr lang="en-US" altLang="ja-JP" sz="1050" dirty="0">
+              <a:rPr lang="en-US" altLang="ja-JP" sz="1200" dirty="0">
                 <a:latin typeface="メイリオ"/>
                 <a:ea typeface="メイリオ"/>
                 <a:cs typeface="メイリオ"/>
@@ -3936,7 +3937,7 @@
               <a:t>Selective Search</a:t>
             </a:r>
             <a:r>
-              <a:rPr lang="ja-JP" altLang="ja-JP" sz="1050" dirty="0">
+              <a:rPr lang="ja-JP" altLang="ja-JP" sz="1200" dirty="0">
                 <a:latin typeface="メイリオ"/>
                 <a:ea typeface="メイリオ"/>
                 <a:cs typeface="メイリオ"/>
@@ -3944,7 +3945,7 @@
               <a:t>の</a:t>
             </a:r>
             <a:r>
-              <a:rPr lang="en-US" altLang="ja-JP" sz="1050" dirty="0">
+              <a:rPr lang="en-US" altLang="ja-JP" sz="1200" dirty="0">
                 <a:latin typeface="メイリオ"/>
                 <a:ea typeface="メイリオ"/>
                 <a:cs typeface="メイリオ"/>
@@ -3952,7 +3953,7 @@
               <a:t>Fast R-CNN</a:t>
             </a:r>
             <a:r>
-              <a:rPr lang="ja-JP" altLang="ja-JP" sz="1050" dirty="0">
+              <a:rPr lang="ja-JP" altLang="ja-JP" sz="1200" dirty="0">
                 <a:latin typeface="メイリオ"/>
                 <a:ea typeface="メイリオ"/>
                 <a:cs typeface="メイリオ"/>
@@ -3960,7 +3961,7 @@
               <a:t>に比べ、</a:t>
             </a:r>
             <a:r>
-              <a:rPr lang="en-US" altLang="ja-JP" sz="1050" dirty="0">
+              <a:rPr lang="en-US" altLang="ja-JP" sz="1200" dirty="0">
                 <a:latin typeface="メイリオ"/>
                 <a:ea typeface="メイリオ"/>
                 <a:cs typeface="メイリオ"/>
@@ -3968,7 +3969,7 @@
               <a:t>Faster R-CNN</a:t>
             </a:r>
             <a:r>
-              <a:rPr lang="ja-JP" altLang="ja-JP" sz="1050" dirty="0">
+              <a:rPr lang="ja-JP" altLang="ja-JP" sz="1200" dirty="0">
                 <a:latin typeface="メイリオ"/>
                 <a:ea typeface="メイリオ"/>
                 <a:cs typeface="メイリオ"/>
@@ -3976,7 +3977,7 @@
               <a:t>と</a:t>
             </a:r>
             <a:r>
-              <a:rPr lang="en-US" altLang="ja-JP" sz="1050" dirty="0">
+              <a:rPr lang="en-US" altLang="ja-JP" sz="1200" dirty="0">
                 <a:latin typeface="メイリオ"/>
                 <a:ea typeface="メイリオ"/>
                 <a:cs typeface="メイリオ"/>
@@ -3984,7 +3985,7 @@
               <a:t>VGG-16</a:t>
             </a:r>
             <a:r>
-              <a:rPr lang="ja-JP" altLang="ja-JP" sz="1050" dirty="0">
+              <a:rPr lang="ja-JP" altLang="ja-JP" sz="1200" dirty="0">
                 <a:latin typeface="メイリオ"/>
                 <a:ea typeface="メイリオ"/>
                 <a:cs typeface="メイリオ"/>
@@ -3992,7 +3993,7 @@
               <a:t>モデルを用いた場合の方が、</a:t>
             </a:r>
             <a:r>
-              <a:rPr lang="en-US" altLang="ja-JP" sz="1050" dirty="0" err="1">
+              <a:rPr lang="en-US" altLang="ja-JP" sz="1200" dirty="0" err="1">
                 <a:latin typeface="メイリオ"/>
                 <a:ea typeface="メイリオ"/>
                 <a:cs typeface="メイリオ"/>
@@ -4000,7 +4001,7 @@
               <a:t>mAP</a:t>
             </a:r>
             <a:r>
-              <a:rPr lang="en-US" altLang="ja-JP" sz="1050" dirty="0">
+              <a:rPr lang="en-US" altLang="ja-JP" sz="1200" dirty="0">
                 <a:latin typeface="メイリオ"/>
                 <a:ea typeface="メイリオ"/>
                 <a:cs typeface="メイリオ"/>
@@ -4008,7 +4009,7 @@
               <a:t>(mean Average Precision)</a:t>
             </a:r>
             <a:r>
-              <a:rPr lang="ja-JP" altLang="ja-JP" sz="1050" dirty="0">
+              <a:rPr lang="ja-JP" altLang="ja-JP" sz="1200" dirty="0">
                 <a:latin typeface="メイリオ"/>
                 <a:ea typeface="メイリオ"/>
                 <a:cs typeface="メイリオ"/>
@@ -4016,7 +4017,7 @@
               <a:t>やフレームレート</a:t>
             </a:r>
             <a:r>
-              <a:rPr lang="en-US" altLang="ja-JP" sz="1050" dirty="0">
+              <a:rPr lang="en-US" altLang="ja-JP" sz="1200" dirty="0">
                 <a:latin typeface="メイリオ"/>
                 <a:ea typeface="メイリオ"/>
                 <a:cs typeface="メイリオ"/>
@@ -4024,7 +4025,7 @@
               <a:t>(fps)</a:t>
             </a:r>
             <a:r>
-              <a:rPr lang="ja-JP" altLang="ja-JP" sz="1050" dirty="0">
+              <a:rPr lang="ja-JP" altLang="ja-JP" sz="1200" dirty="0">
                 <a:latin typeface="メイリオ"/>
                 <a:ea typeface="メイリオ"/>
                 <a:cs typeface="メイリオ"/>
@@ -4032,14 +4033,14 @@
               <a:t>が大幅に</a:t>
             </a:r>
             <a:r>
-              <a:rPr lang="ja-JP" altLang="ja-JP" sz="1050" dirty="0" smtClean="0">
+              <a:rPr lang="ja-JP" altLang="ja-JP" sz="1200" dirty="0" smtClean="0">
                 <a:latin typeface="メイリオ"/>
                 <a:ea typeface="メイリオ"/>
                 <a:cs typeface="メイリオ"/>
               </a:rPr>
               <a:t>改善</a:t>
             </a:r>
-            <a:endParaRPr lang="ja-JP" altLang="ja-JP" sz="1050" dirty="0">
+            <a:endParaRPr lang="ja-JP" altLang="ja-JP" sz="1200" dirty="0">
               <a:latin typeface="メイリオ"/>
               <a:ea typeface="メイリオ"/>
               <a:cs typeface="メイリオ"/>
@@ -4056,7 +4057,7 @@
         <p:spPr>
           <a:xfrm>
             <a:off x="6463548" y="2349569"/>
-            <a:ext cx="5420591" cy="738664"/>
+            <a:ext cx="5420591" cy="830997"/>
           </a:xfrm>
           <a:prstGeom prst="rect">
             <a:avLst/>
@@ -4077,7 +4078,7 @@
               <a:buChar char="•"/>
             </a:pPr>
             <a:r>
-              <a:rPr kumimoji="1" lang="en-US" altLang="ja-JP" sz="1050" dirty="0" smtClean="0">
+              <a:rPr kumimoji="1" lang="en-US" altLang="ja-JP" sz="1200" dirty="0" smtClean="0">
                 <a:latin typeface="メイリオ"/>
                 <a:ea typeface="メイリオ"/>
                 <a:cs typeface="メイリオ"/>
@@ -4085,7 +4086,7 @@
               <a:t>RPN</a:t>
             </a:r>
             <a:r>
-              <a:rPr lang="ja-JP" altLang="en-US" sz="1050" dirty="0" smtClean="0">
+              <a:rPr lang="ja-JP" altLang="en-US" sz="1200" dirty="0" smtClean="0">
                 <a:latin typeface="メイリオ"/>
                 <a:ea typeface="メイリオ"/>
                 <a:cs typeface="メイリオ"/>
@@ -4093,7 +4094,7 @@
               <a:t>は</a:t>
             </a:r>
             <a:r>
-              <a:rPr lang="en-US" altLang="ja-JP" sz="1050" dirty="0" smtClean="0">
+              <a:rPr lang="en-US" altLang="ja-JP" sz="1200" dirty="0" smtClean="0">
                 <a:latin typeface="メイリオ"/>
                 <a:ea typeface="メイリオ"/>
                 <a:cs typeface="メイリオ"/>
@@ -4101,7 +4102,7 @@
               <a:t>Fully CNN</a:t>
             </a:r>
             <a:r>
-              <a:rPr lang="ja-JP" altLang="en-US" sz="1050" dirty="0" smtClean="0">
+              <a:rPr lang="ja-JP" altLang="en-US" sz="1200" dirty="0" smtClean="0">
                 <a:latin typeface="メイリオ"/>
                 <a:ea typeface="メイリオ"/>
                 <a:cs typeface="メイリオ"/>
@@ -4109,7 +4110,7 @@
               <a:t>と</a:t>
             </a:r>
             <a:r>
-              <a:rPr lang="en-US" altLang="ja-JP" sz="1050" dirty="0" smtClean="0">
+              <a:rPr lang="en-US" altLang="ja-JP" sz="1200" dirty="0" smtClean="0">
                 <a:latin typeface="メイリオ"/>
                 <a:ea typeface="メイリオ"/>
                 <a:cs typeface="メイリオ"/>
@@ -4117,14 +4118,14 @@
               <a:t>VGG-16</a:t>
             </a:r>
             <a:r>
-              <a:rPr lang="ja-JP" altLang="en-US" sz="1050" dirty="0" smtClean="0">
+              <a:rPr lang="ja-JP" altLang="en-US" sz="1200" dirty="0" smtClean="0">
                 <a:latin typeface="メイリオ"/>
                 <a:ea typeface="メイリオ"/>
                 <a:cs typeface="メイリオ"/>
               </a:rPr>
               <a:t>を利用して、元画像からの特徴量マップ上で検出領域の提案をしている</a:t>
             </a:r>
-            <a:endParaRPr kumimoji="1" lang="en-US" altLang="ja-JP" sz="1050" dirty="0" smtClean="0">
+            <a:endParaRPr kumimoji="1" lang="en-US" altLang="ja-JP" sz="1200" dirty="0" smtClean="0">
               <a:latin typeface="メイリオ"/>
               <a:ea typeface="メイリオ"/>
               <a:cs typeface="メイリオ"/>
@@ -4136,7 +4137,7 @@
               <a:buChar char="•"/>
             </a:pPr>
             <a:r>
-              <a:rPr kumimoji="1" lang="ja-JP" altLang="en-US" sz="1050" dirty="0" smtClean="0">
+              <a:rPr kumimoji="1" lang="ja-JP" altLang="en-US" sz="1200" dirty="0" smtClean="0">
                 <a:latin typeface="メイリオ"/>
                 <a:ea typeface="メイリオ"/>
                 <a:cs typeface="メイリオ"/>
@@ -4144,7 +4145,7 @@
               <a:t>アンカーの導入（同一中心で複数領域のスコア算出、物体検出箇所の</a:t>
             </a:r>
             <a:r>
-              <a:rPr kumimoji="1" lang="en-US" altLang="ja-JP" sz="1050" dirty="0" smtClean="0">
+              <a:rPr kumimoji="1" lang="en-US" altLang="ja-JP" sz="1200" dirty="0" smtClean="0">
                 <a:latin typeface="メイリオ"/>
                 <a:ea typeface="メイリオ"/>
                 <a:cs typeface="メイリオ"/>
@@ -4152,14 +4153,14 @@
               <a:t>reference</a:t>
             </a:r>
             <a:r>
-              <a:rPr kumimoji="1" lang="ja-JP" altLang="en-US" sz="1050" dirty="0" smtClean="0">
+              <a:rPr kumimoji="1" lang="ja-JP" altLang="en-US" sz="1200" dirty="0" smtClean="0">
                 <a:latin typeface="メイリオ"/>
                 <a:ea typeface="メイリオ"/>
                 <a:cs typeface="メイリオ"/>
               </a:rPr>
               <a:t>としての役割など）</a:t>
             </a:r>
-            <a:endParaRPr kumimoji="1" lang="ja-JP" altLang="en-US" sz="1050" dirty="0">
+            <a:endParaRPr kumimoji="1" lang="ja-JP" altLang="en-US" sz="1200" dirty="0">
               <a:latin typeface="メイリオ"/>
               <a:ea typeface="メイリオ"/>
               <a:cs typeface="メイリオ"/>
@@ -4176,7 +4177,7 @@
         <p:spPr>
           <a:xfrm>
             <a:off x="6463548" y="4051314"/>
-            <a:ext cx="5420591" cy="738664"/>
+            <a:ext cx="5420591" cy="830997"/>
           </a:xfrm>
           <a:prstGeom prst="rect">
             <a:avLst/>
@@ -4197,7 +4198,7 @@
               <a:buChar char="•"/>
             </a:pPr>
             <a:r>
-              <a:rPr lang="ja-JP" altLang="en-US" sz="1050" dirty="0" smtClean="0">
+              <a:rPr lang="ja-JP" altLang="en-US" sz="1200" dirty="0" smtClean="0">
                 <a:latin typeface="メイリオ"/>
                 <a:ea typeface="メイリオ"/>
                 <a:cs typeface="メイリオ"/>
@@ -4205,7 +4206,7 @@
               <a:t>クラス分類とバウンディングボックスの回帰の学習をマルチタスク損失による同時計算で効率化</a:t>
             </a:r>
             <a:r>
-              <a:rPr lang="en-US" altLang="ja-JP" sz="1050" dirty="0" smtClean="0">
+              <a:rPr lang="en-US" altLang="ja-JP" sz="1200" dirty="0" smtClean="0">
                 <a:latin typeface="メイリオ"/>
                 <a:ea typeface="メイリオ"/>
                 <a:cs typeface="メイリオ"/>
@@ -4219,14 +4220,14 @@
               <a:buChar char="•"/>
             </a:pPr>
             <a:r>
-              <a:rPr lang="ja-JP" altLang="en-US" sz="1050" dirty="0" smtClean="0">
+              <a:rPr lang="ja-JP" altLang="en-US" sz="1200" dirty="0" smtClean="0">
                 <a:latin typeface="メイリオ"/>
                 <a:ea typeface="メイリオ"/>
                 <a:cs typeface="メイリオ"/>
               </a:rPr>
               <a:t>畳み込み層後の特徴量マップで物体領域の提案をしているので、バウンディングボックス毎の畳み込み計算が不要</a:t>
             </a:r>
-            <a:endParaRPr kumimoji="1" lang="ja-JP" altLang="en-US" sz="1050" dirty="0">
+            <a:endParaRPr kumimoji="1" lang="ja-JP" altLang="en-US" sz="1200" dirty="0">
               <a:latin typeface="メイリオ"/>
               <a:ea typeface="メイリオ"/>
               <a:cs typeface="メイリオ"/>
@@ -4243,7 +4244,7 @@
         <p:spPr>
           <a:xfrm>
             <a:off x="304793" y="2423105"/>
-            <a:ext cx="5420590" cy="1546577"/>
+            <a:ext cx="5420590" cy="1938992"/>
           </a:xfrm>
           <a:prstGeom prst="rect">
             <a:avLst/>
@@ -4264,7 +4265,7 @@
               <a:buChar char="•"/>
             </a:pPr>
             <a:r>
-              <a:rPr lang="en-US" altLang="ja-JP" sz="1050" dirty="0" smtClean="0">
+              <a:rPr lang="en-US" altLang="ja-JP" sz="1200" dirty="0" smtClean="0">
                 <a:latin typeface="メイリオ"/>
                 <a:ea typeface="メイリオ"/>
                 <a:cs typeface="メイリオ"/>
@@ -4272,7 +4273,7 @@
               <a:t>Fast R-CNN</a:t>
             </a:r>
             <a:r>
-              <a:rPr lang="ja-JP" altLang="en-US" sz="1050" dirty="0" smtClean="0">
+              <a:rPr lang="ja-JP" altLang="en-US" sz="1200" dirty="0" smtClean="0">
                 <a:latin typeface="メイリオ"/>
                 <a:ea typeface="メイリオ"/>
                 <a:cs typeface="メイリオ"/>
@@ -4280,14 +4281,14 @@
               <a:t>の</a:t>
             </a:r>
             <a:r>
-              <a:rPr lang="ja-JP" altLang="en-US" sz="1050" dirty="0" smtClean="0">
+              <a:rPr lang="ja-JP" altLang="en-US" sz="1200" dirty="0" smtClean="0">
                 <a:latin typeface="メイリオ"/>
                 <a:ea typeface="メイリオ"/>
                 <a:cs typeface="メイリオ"/>
               </a:rPr>
               <a:t>改良版</a:t>
             </a:r>
-            <a:endParaRPr lang="en-US" altLang="ja-JP" sz="1050" dirty="0">
+            <a:endParaRPr lang="en-US" altLang="ja-JP" sz="1200" dirty="0">
               <a:latin typeface="メイリオ"/>
               <a:ea typeface="メイリオ"/>
               <a:cs typeface="メイリオ"/>
@@ -4299,7 +4300,7 @@
               <a:buChar char="•"/>
             </a:pPr>
             <a:r>
-              <a:rPr lang="ja-JP" altLang="en-US" sz="1050" dirty="0" smtClean="0">
+              <a:rPr lang="ja-JP" altLang="en-US" sz="1200" dirty="0" smtClean="0">
                 <a:latin typeface="メイリオ"/>
                 <a:ea typeface="メイリオ"/>
                 <a:cs typeface="メイリオ"/>
@@ -4307,7 +4308,7 @@
               <a:t>物体検出において、</a:t>
             </a:r>
             <a:r>
-              <a:rPr lang="en-US" altLang="ja-JP" sz="1050" dirty="0" smtClean="0">
+              <a:rPr lang="en-US" altLang="ja-JP" sz="1200" dirty="0" smtClean="0">
                 <a:latin typeface="メイリオ"/>
                 <a:ea typeface="メイリオ"/>
                 <a:cs typeface="メイリオ"/>
@@ -4315,7 +4316,7 @@
               <a:t>Selective</a:t>
             </a:r>
             <a:r>
-              <a:rPr lang="en-US" altLang="ja-JP" sz="1050" dirty="0" smtClean="0">
+              <a:rPr lang="en-US" altLang="ja-JP" sz="1200" dirty="0" smtClean="0">
                 <a:latin typeface="メイリオ"/>
                 <a:ea typeface="メイリオ"/>
                 <a:cs typeface="メイリオ"/>
@@ -4323,7 +4324,7 @@
               <a:t>-</a:t>
             </a:r>
             <a:r>
-              <a:rPr lang="en-US" altLang="ja-JP" sz="1050" dirty="0" err="1" smtClean="0">
+              <a:rPr lang="en-US" altLang="ja-JP" sz="1200" dirty="0" err="1" smtClean="0">
                 <a:latin typeface="メイリオ"/>
                 <a:ea typeface="メイリオ"/>
                 <a:cs typeface="メイリオ"/>
@@ -4331,7 +4332,7 @@
               <a:t>Search</a:t>
             </a:r>
             <a:r>
-              <a:rPr lang="en-US" altLang="en-US" sz="1050" dirty="0" err="1" smtClean="0">
+              <a:rPr lang="en-US" altLang="en-US" sz="1200" dirty="0" err="1" smtClean="0">
                 <a:latin typeface="メイリオ"/>
                 <a:ea typeface="メイリオ"/>
                 <a:cs typeface="メイリオ"/>
@@ -4339,7 +4340,7 @@
               <a:t>の代わり</a:t>
             </a:r>
             <a:r>
-              <a:rPr lang="ja-JP" altLang="en-US" sz="1050" dirty="0" smtClean="0">
+              <a:rPr lang="ja-JP" altLang="en-US" sz="1200" dirty="0" smtClean="0">
                 <a:latin typeface="メイリオ"/>
                 <a:ea typeface="メイリオ"/>
                 <a:cs typeface="メイリオ"/>
@@ -4347,7 +4348,7 @@
               <a:t>に、畳み込み層後に</a:t>
             </a:r>
             <a:r>
-              <a:rPr lang="en-US" altLang="ja-JP" sz="1050" dirty="0" smtClean="0">
+              <a:rPr lang="en-US" altLang="ja-JP" sz="1200" dirty="0" smtClean="0">
                 <a:latin typeface="メイリオ"/>
                 <a:ea typeface="メイリオ"/>
                 <a:cs typeface="メイリオ"/>
@@ -4355,7 +4356,7 @@
               <a:t>Region Proposal Network(RPN)</a:t>
             </a:r>
             <a:r>
-              <a:rPr lang="ja-JP" altLang="en-US" sz="1050" dirty="0" smtClean="0">
+              <a:rPr lang="ja-JP" altLang="en-US" sz="1200" dirty="0" smtClean="0">
                 <a:latin typeface="メイリオ"/>
                 <a:ea typeface="メイリオ"/>
                 <a:cs typeface="メイリオ"/>
@@ -4363,14 +4364,14 @@
               <a:t>層を経てプーリングさせることで全結合層へ</a:t>
             </a:r>
             <a:r>
-              <a:rPr lang="ja-JP" altLang="en-US" sz="1050" dirty="0" smtClean="0">
+              <a:rPr lang="ja-JP" altLang="en-US" sz="1200" dirty="0" smtClean="0">
                 <a:latin typeface="メイリオ"/>
                 <a:ea typeface="メイリオ"/>
                 <a:cs typeface="メイリオ"/>
               </a:rPr>
               <a:t>入力させる</a:t>
             </a:r>
-            <a:endParaRPr lang="en-US" altLang="ja-JP" sz="1050" dirty="0">
+            <a:endParaRPr lang="en-US" altLang="ja-JP" sz="1200" dirty="0">
               <a:latin typeface="メイリオ"/>
               <a:ea typeface="メイリオ"/>
               <a:cs typeface="メイリオ"/>
@@ -4382,7 +4383,7 @@
               <a:buChar char="•"/>
             </a:pPr>
             <a:r>
-              <a:rPr lang="en-US" altLang="ja-JP" sz="1050" dirty="0" smtClean="0">
+              <a:rPr lang="en-US" altLang="ja-JP" sz="1200" dirty="0" smtClean="0">
                 <a:latin typeface="メイリオ"/>
                 <a:ea typeface="メイリオ"/>
                 <a:cs typeface="メイリオ"/>
@@ -4390,7 +4391,7 @@
               <a:t>RPN</a:t>
             </a:r>
             <a:r>
-              <a:rPr lang="ja-JP" altLang="en-US" sz="1050" dirty="0" smtClean="0">
+              <a:rPr lang="ja-JP" altLang="en-US" sz="1200" dirty="0" smtClean="0">
                 <a:latin typeface="メイリオ"/>
                 <a:ea typeface="メイリオ"/>
                 <a:cs typeface="メイリオ"/>
@@ -4398,7 +4399,7 @@
               <a:t>では特徴量マップ上での物体領域と</a:t>
             </a:r>
             <a:r>
-              <a:rPr lang="en-US" altLang="ja-JP" sz="1050" dirty="0" err="1" smtClean="0">
+              <a:rPr lang="en-US" altLang="ja-JP" sz="1200" dirty="0" err="1" smtClean="0">
                 <a:latin typeface="メイリオ"/>
                 <a:ea typeface="メイリオ"/>
                 <a:cs typeface="メイリオ"/>
@@ -4406,14 +4407,14 @@
               <a:t>objectness</a:t>
             </a:r>
             <a:r>
-              <a:rPr lang="ja-JP" altLang="en-US" sz="1050" dirty="0" smtClean="0">
+              <a:rPr lang="ja-JP" altLang="en-US" sz="1200" dirty="0" smtClean="0">
                 <a:latin typeface="メイリオ"/>
                 <a:ea typeface="メイリオ"/>
                 <a:cs typeface="メイリオ"/>
               </a:rPr>
               <a:t>スコアを同時に算出</a:t>
             </a:r>
-            <a:endParaRPr lang="en-US" altLang="ja-JP" sz="1050" dirty="0" smtClean="0">
+            <a:endParaRPr lang="en-US" altLang="ja-JP" sz="1200" dirty="0" smtClean="0">
               <a:latin typeface="メイリオ"/>
               <a:ea typeface="メイリオ"/>
               <a:cs typeface="メイリオ"/>
@@ -4425,14 +4426,14 @@
               <a:buChar char="•"/>
             </a:pPr>
             <a:r>
-              <a:rPr lang="ja-JP" altLang="en-US" sz="1050" dirty="0" smtClean="0">
+              <a:rPr lang="ja-JP" altLang="en-US" sz="1200" dirty="0" smtClean="0">
                 <a:latin typeface="メイリオ"/>
                 <a:ea typeface="メイリオ"/>
                 <a:cs typeface="メイリオ"/>
               </a:rPr>
               <a:t>上記スコア付き局所領域（バウンディングボックス）と回帰ネットワーク上のアンカーボックスの位置、スケール、アスペクト比を比較</a:t>
             </a:r>
-            <a:endParaRPr lang="en-US" altLang="ja-JP" sz="1050" dirty="0" smtClean="0">
+            <a:endParaRPr lang="en-US" altLang="ja-JP" sz="1200" dirty="0" smtClean="0">
               <a:latin typeface="メイリオ"/>
               <a:ea typeface="メイリオ"/>
               <a:cs typeface="メイリオ"/>
@@ -4444,7 +4445,7 @@
               <a:buChar char="•"/>
             </a:pPr>
             <a:r>
-              <a:rPr lang="ja-JP" altLang="en-US" sz="1050" dirty="0" smtClean="0">
+              <a:rPr lang="ja-JP" altLang="en-US" sz="1200" dirty="0" smtClean="0">
                 <a:latin typeface="メイリオ"/>
                 <a:ea typeface="メイリオ"/>
                 <a:cs typeface="メイリオ"/>
@@ -4452,7 +4453,7 @@
               <a:t>比較結果を</a:t>
             </a:r>
             <a:r>
-              <a:rPr lang="en-US" altLang="ja-JP" sz="1050" dirty="0" smtClean="0">
+              <a:rPr lang="en-US" altLang="ja-JP" sz="1200" dirty="0" smtClean="0">
                 <a:latin typeface="メイリオ"/>
                 <a:ea typeface="メイリオ"/>
                 <a:cs typeface="メイリオ"/>
@@ -4460,14 +4461,14 @@
               <a:t>SGD</a:t>
             </a:r>
             <a:r>
-              <a:rPr lang="ja-JP" altLang="en-US" sz="1050" dirty="0" smtClean="0">
+              <a:rPr lang="ja-JP" altLang="en-US" sz="1200" dirty="0" smtClean="0">
                 <a:latin typeface="メイリオ"/>
                 <a:ea typeface="メイリオ"/>
                 <a:cs typeface="メイリオ"/>
               </a:rPr>
               <a:t>で学習</a:t>
             </a:r>
-            <a:endParaRPr lang="en-US" altLang="ja-JP" sz="1050" dirty="0" smtClean="0">
+            <a:endParaRPr lang="en-US" altLang="ja-JP" sz="1200" dirty="0" smtClean="0">
               <a:latin typeface="メイリオ"/>
               <a:ea typeface="メイリオ"/>
               <a:cs typeface="メイリオ"/>
@@ -4479,14 +4480,14 @@
               <a:buChar char="•"/>
             </a:pPr>
             <a:r>
-              <a:rPr lang="ja-JP" altLang="en-US" sz="1050" dirty="0" smtClean="0">
+              <a:rPr lang="ja-JP" altLang="en-US" sz="1200" dirty="0" smtClean="0">
                 <a:latin typeface="メイリオ"/>
                 <a:ea typeface="メイリオ"/>
                 <a:cs typeface="メイリオ"/>
               </a:rPr>
               <a:t>物体の有無に関する損失（分類ネットワーク）と回帰損失を合わせたマルチタスク損失を最小化させる</a:t>
             </a:r>
-            <a:endParaRPr lang="en-US" altLang="ja-JP" sz="1050" dirty="0" smtClean="0">
+            <a:endParaRPr lang="en-US" altLang="ja-JP" sz="1200" dirty="0" smtClean="0">
               <a:latin typeface="メイリオ"/>
               <a:ea typeface="メイリオ"/>
               <a:cs typeface="メイリオ"/>
@@ -5061,7 +5062,7 @@
         </p:nvSpPr>
         <p:spPr>
           <a:xfrm>
-            <a:off x="6463549" y="3270711"/>
+            <a:off x="6463549" y="3554103"/>
             <a:ext cx="5420591" cy="604685"/>
           </a:xfrm>
           <a:prstGeom prst="roundRect">
@@ -5211,7 +5212,7 @@
         </p:nvSpPr>
         <p:spPr>
           <a:xfrm>
-            <a:off x="6463551" y="5019402"/>
+            <a:off x="6463551" y="5302794"/>
             <a:ext cx="5420591" cy="604685"/>
           </a:xfrm>
           <a:prstGeom prst="roundRect">
@@ -5261,8 +5262,8 @@
         </p:nvSpPr>
         <p:spPr>
           <a:xfrm>
-            <a:off x="6463548" y="5720742"/>
-            <a:ext cx="5420591" cy="415498"/>
+            <a:off x="6463548" y="6004134"/>
+            <a:ext cx="5420591" cy="461665"/>
           </a:xfrm>
           <a:prstGeom prst="rect">
             <a:avLst/>
@@ -5279,7 +5280,7 @@
           <a:lstStyle/>
           <a:p>
             <a:r>
-              <a:rPr kumimoji="1" lang="en-US" altLang="ja-JP" sz="1050" dirty="0" smtClean="0">
+              <a:rPr kumimoji="1" lang="en-US" altLang="ja-JP" sz="1200" dirty="0" smtClean="0">
                 <a:latin typeface="メイリオ"/>
                 <a:ea typeface="メイリオ"/>
                 <a:cs typeface="メイリオ"/>
@@ -5287,7 +5288,7 @@
               <a:t>RPN</a:t>
             </a:r>
             <a:r>
-              <a:rPr kumimoji="1" lang="ja-JP" altLang="en-US" sz="1050" dirty="0" smtClean="0">
+              <a:rPr kumimoji="1" lang="ja-JP" altLang="en-US" sz="1200" dirty="0" smtClean="0">
                 <a:latin typeface="メイリオ"/>
                 <a:ea typeface="メイリオ"/>
                 <a:cs typeface="メイリオ"/>
@@ -5295,7 +5296,7 @@
               <a:t>で利用されている</a:t>
             </a:r>
             <a:r>
-              <a:rPr kumimoji="1" lang="en-US" altLang="ja-JP" sz="1050" dirty="0" smtClean="0">
+              <a:rPr kumimoji="1" lang="en-US" altLang="ja-JP" sz="1200" dirty="0" smtClean="0">
                 <a:latin typeface="メイリオ"/>
                 <a:ea typeface="メイリオ"/>
                 <a:cs typeface="メイリオ"/>
@@ -5303,14 +5304,14 @@
               <a:t>Fully CNN</a:t>
             </a:r>
             <a:r>
-              <a:rPr kumimoji="1" lang="ja-JP" altLang="en-US" sz="1050" dirty="0" smtClean="0">
+              <a:rPr kumimoji="1" lang="ja-JP" altLang="en-US" sz="1200" dirty="0" smtClean="0">
                 <a:latin typeface="メイリオ"/>
                 <a:ea typeface="メイリオ"/>
                 <a:cs typeface="メイリオ"/>
               </a:rPr>
               <a:t>について深掘りする</a:t>
             </a:r>
-            <a:endParaRPr kumimoji="1" lang="en-US" altLang="ja-JP" sz="1050" dirty="0" smtClean="0">
+            <a:endParaRPr kumimoji="1" lang="en-US" altLang="ja-JP" sz="1200" dirty="0" smtClean="0">
               <a:latin typeface="メイリオ"/>
               <a:ea typeface="メイリオ"/>
               <a:cs typeface="メイリオ"/>
@@ -5322,7 +5323,7 @@
               <a:buChar char="•"/>
             </a:pPr>
             <a:r>
-              <a:rPr lang="en-US" altLang="ja-JP" sz="1050" dirty="0">
+              <a:rPr lang="en-US" altLang="ja-JP" sz="1200" dirty="0">
                 <a:latin typeface="メイリオ"/>
                 <a:ea typeface="メイリオ"/>
                 <a:cs typeface="メイリオ"/>
@@ -5330,7 +5331,7 @@
               <a:t>Fully convolutional networks for semantic </a:t>
             </a:r>
             <a:r>
-              <a:rPr lang="en-US" altLang="ja-JP" sz="1050" dirty="0" smtClean="0">
+              <a:rPr lang="en-US" altLang="ja-JP" sz="1200" dirty="0" smtClean="0">
                 <a:latin typeface="メイリオ"/>
                 <a:ea typeface="メイリオ"/>
                 <a:cs typeface="メイリオ"/>
@@ -5338,7 +5339,7 @@
               <a:t>segmentation</a:t>
             </a:r>
             <a:r>
-              <a:rPr lang="en-US" altLang="ja-JP" sz="1050" dirty="0" smtClean="0">
+              <a:rPr lang="en-US" altLang="ja-JP" sz="1200" dirty="0" smtClean="0">
                 <a:latin typeface="メイリオ"/>
                 <a:ea typeface="メイリオ"/>
                 <a:cs typeface="メイリオ"/>
@@ -5357,7 +5358,7 @@
         <p:spPr>
           <a:xfrm>
             <a:off x="270738" y="5071321"/>
-            <a:ext cx="5420590" cy="738664"/>
+            <a:ext cx="5420590" cy="830997"/>
           </a:xfrm>
           <a:prstGeom prst="rect">
             <a:avLst/>
@@ -5378,7 +5379,7 @@
               <a:buChar char="•"/>
             </a:pPr>
             <a:r>
-              <a:rPr lang="en-US" altLang="ja-JP" sz="1050" dirty="0">
+              <a:rPr lang="en-US" altLang="ja-JP" sz="1200" dirty="0">
                 <a:latin typeface="メイリオ"/>
                 <a:ea typeface="メイリオ"/>
                 <a:cs typeface="メイリオ"/>
@@ -5386,7 +5387,7 @@
               <a:t>ILSVRC classification and </a:t>
             </a:r>
             <a:r>
-              <a:rPr lang="en-US" altLang="ja-JP" sz="1050" dirty="0" err="1">
+              <a:rPr lang="en-US" altLang="ja-JP" sz="1200" dirty="0" err="1">
                 <a:latin typeface="メイリオ"/>
                 <a:ea typeface="メイリオ"/>
                 <a:cs typeface="メイリオ"/>
@@ -5394,7 +5395,7 @@
               <a:t>localisation</a:t>
             </a:r>
             <a:r>
-              <a:rPr lang="en-US" altLang="ja-JP" sz="1050" dirty="0">
+              <a:rPr lang="en-US" altLang="ja-JP" sz="1200" dirty="0">
                 <a:latin typeface="メイリオ"/>
                 <a:ea typeface="メイリオ"/>
                 <a:cs typeface="メイリオ"/>
@@ -5402,7 +5403,7 @@
               <a:t> </a:t>
             </a:r>
             <a:r>
-              <a:rPr lang="en-US" altLang="ja-JP" sz="1050" dirty="0" smtClean="0">
+              <a:rPr lang="en-US" altLang="ja-JP" sz="1200" dirty="0" smtClean="0">
                 <a:latin typeface="メイリオ"/>
                 <a:ea typeface="メイリオ"/>
                 <a:cs typeface="メイリオ"/>
@@ -5410,7 +5411,7 @@
               <a:t>tasks</a:t>
             </a:r>
             <a:r>
-              <a:rPr lang="ja-JP" altLang="ja-JP" sz="1050" dirty="0" smtClean="0">
+              <a:rPr lang="ja-JP" altLang="ja-JP" sz="1200" dirty="0" smtClean="0">
                 <a:latin typeface="メイリオ"/>
                 <a:ea typeface="メイリオ"/>
                 <a:cs typeface="メイリオ"/>
@@ -5418,14 +5419,14 @@
               <a:t>を</a:t>
             </a:r>
             <a:r>
-              <a:rPr lang="ja-JP" altLang="en-US" sz="1050" dirty="0" smtClean="0">
+              <a:rPr lang="ja-JP" altLang="en-US" sz="1200" dirty="0" smtClean="0">
                 <a:latin typeface="メイリオ"/>
                 <a:ea typeface="メイリオ"/>
                 <a:cs typeface="メイリオ"/>
               </a:rPr>
               <a:t>使用</a:t>
             </a:r>
-            <a:endParaRPr lang="en-US" altLang="ja-JP" sz="1050" dirty="0" smtClean="0">
+            <a:endParaRPr lang="en-US" altLang="ja-JP" sz="1200" dirty="0" smtClean="0">
               <a:latin typeface="メイリオ"/>
               <a:ea typeface="メイリオ"/>
               <a:cs typeface="メイリオ"/>
@@ -5437,7 +5438,7 @@
               <a:buChar char="•"/>
             </a:pPr>
             <a:r>
-              <a:rPr lang="ja-JP" altLang="en-US" sz="1050" dirty="0" smtClean="0">
+              <a:rPr lang="ja-JP" altLang="en-US" sz="1200" dirty="0" smtClean="0">
                 <a:latin typeface="メイリオ"/>
                 <a:ea typeface="メイリオ"/>
                 <a:cs typeface="メイリオ"/>
@@ -5445,7 +5446,7 @@
               <a:t>入力画像サイズは</a:t>
             </a:r>
             <a:r>
-              <a:rPr lang="en-US" altLang="ja-JP" sz="1050" dirty="0" smtClean="0">
+              <a:rPr lang="en-US" altLang="ja-JP" sz="1200" dirty="0" smtClean="0">
                 <a:latin typeface="メイリオ"/>
                 <a:ea typeface="メイリオ"/>
                 <a:cs typeface="メイリオ"/>
@@ -5459,14 +5460,14 @@
               <a:buChar char="•"/>
             </a:pPr>
             <a:r>
-              <a:rPr lang="ja-JP" altLang="en-US" sz="1050" dirty="0" smtClean="0">
+              <a:rPr lang="ja-JP" altLang="en-US" sz="1200" dirty="0" smtClean="0">
                 <a:latin typeface="メイリオ"/>
                 <a:ea typeface="メイリオ"/>
                 <a:cs typeface="メイリオ"/>
               </a:rPr>
               <a:t>誤分類率で評価</a:t>
             </a:r>
-            <a:endParaRPr lang="en-US" altLang="ja-JP" sz="1050" dirty="0" smtClean="0">
+            <a:endParaRPr lang="en-US" altLang="ja-JP" sz="1200" dirty="0" smtClean="0">
               <a:latin typeface="メイリオ"/>
               <a:ea typeface="メイリオ"/>
               <a:cs typeface="メイリオ"/>
@@ -5478,7 +5479,7 @@
               <a:buChar char="•"/>
             </a:pPr>
             <a:r>
-              <a:rPr lang="en-US" altLang="ja-JP" sz="1050" dirty="0" smtClean="0">
+              <a:rPr lang="en-US" altLang="ja-JP" sz="1200" dirty="0" smtClean="0">
                 <a:latin typeface="メイリオ"/>
                 <a:ea typeface="メイリオ"/>
                 <a:cs typeface="メイリオ"/>
@@ -5486,7 +5487,7 @@
               <a:t>16</a:t>
             </a:r>
             <a:r>
-              <a:rPr lang="ja-JP" altLang="en-US" sz="1050" dirty="0" smtClean="0">
+              <a:rPr lang="ja-JP" altLang="en-US" sz="1200" dirty="0" smtClean="0">
                 <a:latin typeface="メイリオ"/>
                 <a:ea typeface="メイリオ"/>
                 <a:cs typeface="メイリオ"/>
@@ -5494,7 +5495,7 @@
               <a:t>層や</a:t>
             </a:r>
             <a:r>
-              <a:rPr lang="en-US" altLang="ja-JP" sz="1050" dirty="0" smtClean="0">
+              <a:rPr lang="en-US" altLang="ja-JP" sz="1200" dirty="0" smtClean="0">
                 <a:latin typeface="メイリオ"/>
                 <a:ea typeface="メイリオ"/>
                 <a:cs typeface="メイリオ"/>
@@ -5502,14 +5503,14 @@
               <a:t>19</a:t>
             </a:r>
             <a:r>
-              <a:rPr lang="ja-JP" altLang="en-US" sz="1050" dirty="0" smtClean="0">
+              <a:rPr lang="ja-JP" altLang="en-US" sz="1200" dirty="0" smtClean="0">
                 <a:latin typeface="メイリオ"/>
                 <a:ea typeface="メイリオ"/>
                 <a:cs typeface="メイリオ"/>
               </a:rPr>
               <a:t>層が最もスコアが良い（誤分類率が低い）結果となっている</a:t>
             </a:r>
-            <a:endParaRPr lang="ja-JP" altLang="ja-JP" sz="1050" dirty="0">
+            <a:endParaRPr lang="ja-JP" altLang="ja-JP" sz="1200" dirty="0">
               <a:latin typeface="メイリオ"/>
               <a:ea typeface="メイリオ"/>
               <a:cs typeface="メイリオ"/>
@@ -5526,7 +5527,7 @@
         <p:spPr>
           <a:xfrm>
             <a:off x="6463548" y="2349569"/>
-            <a:ext cx="5420591" cy="900246"/>
+            <a:ext cx="5420591" cy="1200329"/>
           </a:xfrm>
           <a:prstGeom prst="rect">
             <a:avLst/>
@@ -5547,7 +5548,7 @@
               <a:buChar char="•"/>
             </a:pPr>
             <a:r>
-              <a:rPr lang="ja-JP" altLang="en-US" sz="1050" dirty="0" smtClean="0">
+              <a:rPr lang="ja-JP" altLang="en-US" sz="1200" dirty="0" smtClean="0">
                 <a:latin typeface="メイリオ"/>
                 <a:ea typeface="メイリオ"/>
                 <a:cs typeface="メイリオ"/>
@@ -5555,7 +5556,7 @@
               <a:t>畳み込み層では</a:t>
             </a:r>
             <a:r>
-              <a:rPr lang="en-US" altLang="ja-JP" sz="1050" dirty="0" smtClean="0">
+              <a:rPr lang="en-US" altLang="ja-JP" sz="1200" dirty="0" smtClean="0">
                 <a:latin typeface="メイリオ"/>
                 <a:ea typeface="メイリオ"/>
                 <a:cs typeface="メイリオ"/>
@@ -5563,7 +5564,7 @@
               <a:t>3</a:t>
             </a:r>
             <a:r>
-              <a:rPr lang="en-US" altLang="ja-JP" sz="1050" dirty="0">
+              <a:rPr lang="en-US" altLang="ja-JP" sz="1200" dirty="0">
                 <a:latin typeface="メイリオ"/>
                 <a:ea typeface="メイリオ"/>
                 <a:cs typeface="メイリオ"/>
@@ -5571,7 +5572,7 @@
               <a:t>*3</a:t>
             </a:r>
             <a:r>
-              <a:rPr lang="ja-JP" altLang="en-US" sz="1050" dirty="0" smtClean="0">
+              <a:rPr lang="ja-JP" altLang="en-US" sz="1200" dirty="0" smtClean="0">
                 <a:latin typeface="メイリオ"/>
                 <a:ea typeface="メイリオ"/>
                 <a:cs typeface="メイリオ"/>
@@ -5579,7 +5580,7 @@
               <a:t>フィルター</a:t>
             </a:r>
             <a:r>
-              <a:rPr lang="ja-JP" altLang="en-US" sz="1050" dirty="0" smtClean="0">
+              <a:rPr lang="ja-JP" altLang="en-US" sz="1200" dirty="0" smtClean="0">
                 <a:latin typeface="メイリオ"/>
                 <a:ea typeface="メイリオ"/>
                 <a:cs typeface="メイリオ"/>
@@ -5587,7 +5588,7 @@
               <a:t>、</a:t>
             </a:r>
             <a:r>
-              <a:rPr lang="en-US" altLang="ja-JP" sz="1050" dirty="0" smtClean="0">
+              <a:rPr lang="en-US" altLang="ja-JP" sz="1200" dirty="0" smtClean="0">
                 <a:latin typeface="メイリオ"/>
                 <a:ea typeface="メイリオ"/>
                 <a:cs typeface="メイリオ"/>
@@ -5595,7 +5596,7 @@
               <a:t>Max-pooling</a:t>
             </a:r>
             <a:r>
-              <a:rPr lang="ja-JP" altLang="en-US" sz="1050" dirty="0" smtClean="0">
+              <a:rPr lang="ja-JP" altLang="en-US" sz="1200" dirty="0" smtClean="0">
                 <a:latin typeface="メイリオ"/>
                 <a:ea typeface="メイリオ"/>
                 <a:cs typeface="メイリオ"/>
@@ -5603,7 +5604,7 @@
               <a:t>層では</a:t>
             </a:r>
             <a:r>
-              <a:rPr lang="en-US" altLang="ja-JP" sz="1050" dirty="0" smtClean="0">
+              <a:rPr lang="en-US" altLang="ja-JP" sz="1200" dirty="0" smtClean="0">
                 <a:latin typeface="メイリオ"/>
                 <a:ea typeface="メイリオ"/>
                 <a:cs typeface="メイリオ"/>
@@ -5611,14 +5612,14 @@
               <a:t>2*2</a:t>
             </a:r>
             <a:r>
-              <a:rPr lang="ja-JP" altLang="en-US" sz="1050" dirty="0" smtClean="0">
+              <a:rPr lang="ja-JP" altLang="en-US" sz="1200" dirty="0" smtClean="0">
                 <a:latin typeface="メイリオ"/>
                 <a:ea typeface="メイリオ"/>
                 <a:cs typeface="メイリオ"/>
               </a:rPr>
               <a:t>のフィルターという極小サイズを使用</a:t>
             </a:r>
-            <a:endParaRPr lang="en-US" altLang="ja-JP" sz="1050" dirty="0" smtClean="0">
+            <a:endParaRPr lang="en-US" altLang="ja-JP" sz="1200" dirty="0" smtClean="0">
               <a:latin typeface="メイリオ"/>
               <a:ea typeface="メイリオ"/>
               <a:cs typeface="メイリオ"/>
@@ -5630,7 +5631,7 @@
               <a:buChar char="•"/>
             </a:pPr>
             <a:r>
-              <a:rPr lang="ja-JP" altLang="en-US" sz="1050" dirty="0" smtClean="0">
+              <a:rPr lang="ja-JP" altLang="en-US" sz="1200" dirty="0" smtClean="0">
                 <a:latin typeface="メイリオ"/>
                 <a:ea typeface="メイリオ"/>
                 <a:cs typeface="メイリオ"/>
@@ -5638,7 +5639,7 @@
               <a:t>全結合層は</a:t>
             </a:r>
             <a:r>
-              <a:rPr lang="en-US" altLang="ja-JP" sz="1050" dirty="0" smtClean="0">
+              <a:rPr lang="en-US" altLang="ja-JP" sz="1200" dirty="0" smtClean="0">
                 <a:latin typeface="メイリオ"/>
                 <a:ea typeface="メイリオ"/>
                 <a:cs typeface="メイリオ"/>
@@ -5646,7 +5647,7 @@
               <a:t>3</a:t>
             </a:r>
             <a:r>
-              <a:rPr lang="ja-JP" altLang="en-US" sz="1050" dirty="0" smtClean="0">
+              <a:rPr lang="ja-JP" altLang="en-US" sz="1200" dirty="0" smtClean="0">
                 <a:latin typeface="メイリオ"/>
                 <a:ea typeface="メイリオ"/>
                 <a:cs typeface="メイリオ"/>
@@ -5654,7 +5655,7 @@
               <a:t>層で、出力層は</a:t>
             </a:r>
             <a:r>
-              <a:rPr lang="en-US" altLang="ja-JP" sz="1050" dirty="0" smtClean="0">
+              <a:rPr lang="en-US" altLang="ja-JP" sz="1200" dirty="0" smtClean="0">
                 <a:latin typeface="メイリオ"/>
                 <a:ea typeface="メイリオ"/>
                 <a:cs typeface="メイリオ"/>
@@ -5662,7 +5663,7 @@
               <a:t>ILSVRC</a:t>
             </a:r>
             <a:r>
-              <a:rPr lang="ja-JP" altLang="en-US" sz="1050" dirty="0" smtClean="0">
+              <a:rPr lang="ja-JP" altLang="en-US" sz="1200" dirty="0" smtClean="0">
                 <a:latin typeface="メイリオ"/>
                 <a:ea typeface="メイリオ"/>
                 <a:cs typeface="メイリオ"/>
@@ -5670,7 +5671,7 @@
               <a:t>の</a:t>
             </a:r>
             <a:r>
-              <a:rPr lang="en-US" altLang="ja-JP" sz="1050" dirty="0" smtClean="0">
+              <a:rPr lang="en-US" altLang="ja-JP" sz="1200" dirty="0" smtClean="0">
                 <a:latin typeface="メイリオ"/>
                 <a:ea typeface="メイリオ"/>
                 <a:cs typeface="メイリオ"/>
@@ -5678,7 +5679,7 @@
               <a:t>1000</a:t>
             </a:r>
             <a:r>
-              <a:rPr lang="ja-JP" altLang="en-US" sz="1050" dirty="0" smtClean="0">
+              <a:rPr lang="ja-JP" altLang="en-US" sz="1200" dirty="0" smtClean="0">
                 <a:latin typeface="メイリオ"/>
                 <a:ea typeface="メイリオ"/>
                 <a:cs typeface="メイリオ"/>
@@ -5686,7 +5687,7 @@
               <a:t>クラス分類のための</a:t>
             </a:r>
             <a:r>
-              <a:rPr lang="en-US" altLang="ja-JP" sz="1050" dirty="0" smtClean="0">
+              <a:rPr lang="en-US" altLang="ja-JP" sz="1200" dirty="0" smtClean="0">
                 <a:latin typeface="メイリオ"/>
                 <a:ea typeface="メイリオ"/>
                 <a:cs typeface="メイリオ"/>
@@ -5694,14 +5695,14 @@
               <a:t>1000</a:t>
             </a:r>
             <a:r>
-              <a:rPr lang="ja-JP" altLang="en-US" sz="1050" dirty="0" smtClean="0">
+              <a:rPr lang="ja-JP" altLang="en-US" sz="1200" dirty="0" smtClean="0">
                 <a:latin typeface="メイリオ"/>
                 <a:ea typeface="メイリオ"/>
                 <a:cs typeface="メイリオ"/>
               </a:rPr>
               <a:t>ユニット</a:t>
             </a:r>
-            <a:endParaRPr lang="en-US" altLang="ja-JP" sz="1050" dirty="0" smtClean="0">
+            <a:endParaRPr lang="en-US" altLang="ja-JP" sz="1200" dirty="0" smtClean="0">
               <a:latin typeface="メイリオ"/>
               <a:ea typeface="メイリオ"/>
               <a:cs typeface="メイリオ"/>
@@ -5713,7 +5714,7 @@
               <a:buChar char="•"/>
             </a:pPr>
             <a:r>
-              <a:rPr kumimoji="1" lang="ja-JP" altLang="en-US" sz="1050" dirty="0" smtClean="0">
+              <a:rPr kumimoji="1" lang="ja-JP" altLang="en-US" sz="1200" dirty="0" smtClean="0">
                 <a:latin typeface="メイリオ"/>
                 <a:ea typeface="メイリオ"/>
                 <a:cs typeface="メイリオ"/>
@@ -5721,7 +5722,7 @@
               <a:t>全結合層</a:t>
             </a:r>
             <a:r>
-              <a:rPr lang="ja-JP" altLang="en-US" sz="1050" dirty="0" smtClean="0">
+              <a:rPr lang="ja-JP" altLang="en-US" sz="1200" dirty="0" smtClean="0">
                 <a:latin typeface="メイリオ"/>
                 <a:ea typeface="メイリオ"/>
                 <a:cs typeface="メイリオ"/>
@@ -5729,7 +5730,7 @@
               <a:t>まで</a:t>
             </a:r>
             <a:r>
-              <a:rPr kumimoji="1" lang="ja-JP" altLang="en-US" sz="1050" dirty="0" smtClean="0">
+              <a:rPr kumimoji="1" lang="ja-JP" altLang="en-US" sz="1200" dirty="0" smtClean="0">
                 <a:latin typeface="メイリオ"/>
                 <a:ea typeface="メイリオ"/>
                 <a:cs typeface="メイリオ"/>
@@ -5737,7 +5738,7 @@
               <a:t>含めて、最大</a:t>
             </a:r>
             <a:r>
-              <a:rPr kumimoji="1" lang="en-US" altLang="ja-JP" sz="1050" dirty="0" smtClean="0">
+              <a:rPr kumimoji="1" lang="en-US" altLang="ja-JP" sz="1200" dirty="0" smtClean="0">
                 <a:latin typeface="メイリオ"/>
                 <a:ea typeface="メイリオ"/>
                 <a:cs typeface="メイリオ"/>
@@ -5745,14 +5746,14 @@
               <a:t>19</a:t>
             </a:r>
             <a:r>
-              <a:rPr kumimoji="1" lang="ja-JP" altLang="en-US" sz="1050" dirty="0" smtClean="0">
+              <a:rPr kumimoji="1" lang="ja-JP" altLang="en-US" sz="1200" dirty="0" smtClean="0">
                 <a:latin typeface="メイリオ"/>
                 <a:ea typeface="メイリオ"/>
                 <a:cs typeface="メイリオ"/>
               </a:rPr>
               <a:t>層まで重ねて検証</a:t>
             </a:r>
-            <a:endParaRPr kumimoji="1" lang="en-US" altLang="ja-JP" sz="1050" dirty="0" smtClean="0">
+            <a:endParaRPr kumimoji="1" lang="en-US" altLang="ja-JP" sz="1200" dirty="0" smtClean="0">
               <a:latin typeface="メイリオ"/>
               <a:ea typeface="メイリオ"/>
               <a:cs typeface="メイリオ"/>
@@ -5764,7 +5765,7 @@
               <a:buChar char="•"/>
             </a:pPr>
             <a:r>
-              <a:rPr kumimoji="1" lang="ja-JP" altLang="en-US" sz="1050" dirty="0" smtClean="0">
+              <a:rPr kumimoji="1" lang="ja-JP" altLang="en-US" sz="1200" dirty="0" smtClean="0">
                 <a:latin typeface="メイリオ"/>
                 <a:ea typeface="メイリオ"/>
                 <a:cs typeface="メイリオ"/>
@@ -5772,14 +5773,14 @@
               <a:t>各畳み込み層の途中でプーリング層</a:t>
             </a:r>
             <a:r>
-              <a:rPr lang="ja-JP" altLang="en-US" sz="1050" dirty="0" smtClean="0">
+              <a:rPr lang="ja-JP" altLang="en-US" sz="1200" dirty="0" smtClean="0">
                 <a:latin typeface="メイリオ"/>
                 <a:ea typeface="メイリオ"/>
                 <a:cs typeface="メイリオ"/>
               </a:rPr>
               <a:t>を挟むことで出力サイズを小さくする</a:t>
             </a:r>
-            <a:endParaRPr kumimoji="1" lang="en-US" altLang="ja-JP" sz="1050" dirty="0" smtClean="0">
+            <a:endParaRPr kumimoji="1" lang="en-US" altLang="ja-JP" sz="1200" dirty="0" smtClean="0">
               <a:latin typeface="メイリオ"/>
               <a:ea typeface="メイリオ"/>
               <a:cs typeface="メイリオ"/>
@@ -5795,8 +5796,8 @@
         </p:nvSpPr>
         <p:spPr>
           <a:xfrm>
-            <a:off x="6463548" y="4051314"/>
-            <a:ext cx="5420591" cy="738664"/>
+            <a:off x="6463548" y="4334706"/>
+            <a:ext cx="5420591" cy="830997"/>
           </a:xfrm>
           <a:prstGeom prst="rect">
             <a:avLst/>
@@ -5817,7 +5818,7 @@
               <a:buChar char="•"/>
             </a:pPr>
             <a:r>
-              <a:rPr kumimoji="1" lang="ja-JP" altLang="en-US" sz="1050" dirty="0" smtClean="0">
+              <a:rPr kumimoji="1" lang="ja-JP" altLang="en-US" sz="1200" dirty="0" smtClean="0">
                 <a:latin typeface="メイリオ"/>
                 <a:ea typeface="メイリオ"/>
                 <a:cs typeface="メイリオ"/>
@@ -5825,14 +5826,14 @@
               <a:t>層の深さ、複数の入力画像スケール、</a:t>
             </a:r>
             <a:r>
-              <a:rPr lang="ja-JP" altLang="en-US" sz="1050" dirty="0" smtClean="0">
+              <a:rPr lang="ja-JP" altLang="en-US" sz="1200" dirty="0" smtClean="0">
                 <a:latin typeface="メイリオ"/>
                 <a:ea typeface="メイリオ"/>
                 <a:cs typeface="メイリオ"/>
               </a:rPr>
               <a:t>画像を抜き出しなど、条件を変えて徹底的に評価している</a:t>
             </a:r>
-            <a:endParaRPr lang="en-US" altLang="ja-JP" sz="1050" dirty="0" smtClean="0">
+            <a:endParaRPr lang="en-US" altLang="ja-JP" sz="1200" dirty="0" smtClean="0">
               <a:latin typeface="メイリオ"/>
               <a:ea typeface="メイリオ"/>
               <a:cs typeface="メイリオ"/>
@@ -5844,14 +5845,14 @@
               <a:buChar char="•"/>
             </a:pPr>
             <a:r>
-              <a:rPr kumimoji="1" lang="ja-JP" altLang="en-US" sz="1050" dirty="0" smtClean="0">
+              <a:rPr kumimoji="1" lang="ja-JP" altLang="en-US" sz="1200" dirty="0" smtClean="0">
                 <a:latin typeface="メイリオ"/>
                 <a:ea typeface="メイリオ"/>
                 <a:cs typeface="メイリオ"/>
               </a:rPr>
               <a:t>最も深い構造が最も制度が良い。つまり、極小フィルターで層を幾重にも重ねる方がよりよく画像の特徴を捉えることができるということ。</a:t>
             </a:r>
-            <a:endParaRPr kumimoji="1" lang="ja-JP" altLang="en-US" sz="1050" dirty="0">
+            <a:endParaRPr kumimoji="1" lang="ja-JP" altLang="en-US" sz="1200" dirty="0">
               <a:latin typeface="メイリオ"/>
               <a:ea typeface="メイリオ"/>
               <a:cs typeface="メイリオ"/>
@@ -5868,7 +5869,7 @@
         <p:spPr>
           <a:xfrm>
             <a:off x="304793" y="2423105"/>
-            <a:ext cx="5420590" cy="738664"/>
+            <a:ext cx="5420590" cy="830997"/>
           </a:xfrm>
           <a:prstGeom prst="rect">
             <a:avLst/>
@@ -5889,7 +5890,7 @@
               <a:buChar char="•"/>
             </a:pPr>
             <a:r>
-              <a:rPr lang="ja-JP" altLang="en-US" sz="1050" dirty="0" smtClean="0">
+              <a:rPr lang="ja-JP" altLang="en-US" sz="1200" dirty="0" smtClean="0">
                 <a:latin typeface="メイリオ"/>
                 <a:ea typeface="メイリオ"/>
                 <a:cs typeface="メイリオ"/>
@@ -5897,7 +5898,7 @@
               <a:t>画像認識の精度において、</a:t>
             </a:r>
             <a:r>
-              <a:rPr lang="en-US" altLang="ja-JP" sz="1050" dirty="0" smtClean="0">
+              <a:rPr lang="en-US" altLang="ja-JP" sz="1200" dirty="0" smtClean="0">
                 <a:latin typeface="メイリオ"/>
                 <a:ea typeface="メイリオ"/>
                 <a:cs typeface="メイリオ"/>
@@ -5905,7 +5906,7 @@
               <a:t>CNN</a:t>
             </a:r>
             <a:r>
-              <a:rPr lang="ja-JP" altLang="en-US" sz="1050" dirty="0" smtClean="0">
+              <a:rPr lang="ja-JP" altLang="en-US" sz="1200" dirty="0" smtClean="0">
                 <a:latin typeface="メイリオ"/>
                 <a:ea typeface="メイリオ"/>
                 <a:cs typeface="メイリオ"/>
@@ -5913,14 +5914,14 @@
               <a:t>層の深さ</a:t>
             </a:r>
             <a:r>
-              <a:rPr lang="ja-JP" altLang="en-US" sz="1050" dirty="0" smtClean="0">
+              <a:rPr lang="ja-JP" altLang="en-US" sz="1200" dirty="0" smtClean="0">
                 <a:latin typeface="メイリオ"/>
                 <a:ea typeface="メイリオ"/>
                 <a:cs typeface="メイリオ"/>
               </a:rPr>
               <a:t>による影響を調査</a:t>
             </a:r>
-            <a:endParaRPr lang="en-US" altLang="ja-JP" sz="1050" dirty="0" smtClean="0">
+            <a:endParaRPr lang="en-US" altLang="ja-JP" sz="1200" dirty="0" smtClean="0">
               <a:latin typeface="メイリオ"/>
               <a:ea typeface="メイリオ"/>
               <a:cs typeface="メイリオ"/>
@@ -5932,7 +5933,7 @@
               <a:buChar char="•"/>
             </a:pPr>
             <a:r>
-              <a:rPr lang="en-US" altLang="ja-JP" sz="1050" dirty="0" err="1" smtClean="0">
+              <a:rPr lang="en-US" altLang="ja-JP" sz="1200" dirty="0" err="1" smtClean="0">
                 <a:latin typeface="メイリオ"/>
                 <a:ea typeface="メイリオ"/>
                 <a:cs typeface="メイリオ"/>
@@ -5940,14 +5941,14 @@
               <a:t>ConvNets</a:t>
             </a:r>
             <a:r>
-              <a:rPr lang="ja-JP" altLang="en-US" sz="1050" dirty="0" smtClean="0">
+              <a:rPr lang="ja-JP" altLang="en-US" sz="1200" dirty="0" smtClean="0">
                 <a:latin typeface="メイリオ"/>
                 <a:ea typeface="メイリオ"/>
                 <a:cs typeface="メイリオ"/>
               </a:rPr>
               <a:t>のオリジナル構造をベースとする</a:t>
             </a:r>
-            <a:endParaRPr lang="en-US" altLang="ja-JP" sz="1050" dirty="0">
+            <a:endParaRPr lang="en-US" altLang="ja-JP" sz="1200" dirty="0">
               <a:latin typeface="メイリオ"/>
               <a:ea typeface="メイリオ"/>
               <a:cs typeface="メイリオ"/>
@@ -5959,7 +5960,7 @@
               <a:buChar char="•"/>
             </a:pPr>
             <a:r>
-              <a:rPr lang="ja-JP" altLang="en-US" sz="1050" dirty="0" smtClean="0">
+              <a:rPr lang="ja-JP" altLang="en-US" sz="1200" dirty="0" smtClean="0">
                 <a:latin typeface="メイリオ"/>
                 <a:ea typeface="メイリオ"/>
                 <a:cs typeface="メイリオ"/>
@@ -5967,7 +5968,7 @@
               <a:t>当時は</a:t>
             </a:r>
             <a:r>
-              <a:rPr lang="en-US" altLang="ja-JP" sz="1050" dirty="0" err="1" smtClean="0">
+              <a:rPr lang="en-US" altLang="ja-JP" sz="1200" dirty="0" err="1" smtClean="0">
                 <a:latin typeface="メイリオ"/>
                 <a:ea typeface="メイリオ"/>
                 <a:cs typeface="メイリオ"/>
@@ -5975,14 +5976,14 @@
               <a:t>ConvNets</a:t>
             </a:r>
             <a:r>
-              <a:rPr lang="ja-JP" altLang="en-US" sz="1050" dirty="0" smtClean="0">
+              <a:rPr lang="ja-JP" altLang="en-US" sz="1200" dirty="0" smtClean="0">
                 <a:latin typeface="メイリオ"/>
                 <a:ea typeface="メイリオ"/>
                 <a:cs typeface="メイリオ"/>
               </a:rPr>
               <a:t>が一定の成果を上げており、これをさらに改良すべく層の深さによる違いを検証した</a:t>
             </a:r>
-            <a:endParaRPr lang="en-US" altLang="ja-JP" sz="1050" dirty="0" smtClean="0">
+            <a:endParaRPr lang="en-US" altLang="ja-JP" sz="1200" dirty="0" smtClean="0">
               <a:latin typeface="メイリオ"/>
               <a:ea typeface="メイリオ"/>
               <a:cs typeface="メイリオ"/>
@@ -6063,8 +6064,8 @@
           </p:nvSpPr>
           <p:spPr>
             <a:xfrm>
-              <a:off x="1271648" y="58425"/>
-              <a:ext cx="9900501" cy="389636"/>
+              <a:off x="583051" y="58425"/>
+              <a:ext cx="11002257" cy="389636"/>
             </a:xfrm>
             <a:prstGeom prst="rect">
               <a:avLst/>
@@ -6079,12 +6080,36 @@
             <a:p>
               <a:pPr algn="ctr"/>
               <a:r>
+                <a:rPr lang="en-US" altLang="ja-JP" kern="0" dirty="0" smtClean="0">
+                  <a:latin typeface="メイリオ"/>
+                  <a:ea typeface="メイリオ"/>
+                  <a:cs typeface="メイリオ"/>
+                </a:rPr>
+                <a:t>VGG-16:</a:t>
+              </a:r>
+              <a:r>
+                <a:rPr lang="ja-JP" altLang="en-US" kern="0" dirty="0" smtClean="0">
+                  <a:latin typeface="メイリオ"/>
+                  <a:ea typeface="メイリオ"/>
+                  <a:cs typeface="メイリオ"/>
+                </a:rPr>
+                <a:t> </a:t>
+              </a:r>
+              <a:r>
+                <a:rPr lang="en-US" altLang="ja-JP" kern="0" dirty="0" smtClean="0">
+                  <a:latin typeface="メイリオ"/>
+                  <a:ea typeface="メイリオ"/>
+                  <a:cs typeface="メイリオ"/>
+                </a:rPr>
+                <a:t>VERY </a:t>
+              </a:r>
+              <a:r>
                 <a:rPr lang="en-US" altLang="ja-JP" kern="0" dirty="0">
                   <a:latin typeface="メイリオ"/>
                   <a:ea typeface="メイリオ"/>
                   <a:cs typeface="メイリオ"/>
                 </a:rPr>
-                <a:t>VERY DEEP CONVOLUTIONAL NETWORKS FOR LARGE-SCALE IMAGE RECOGNITION</a:t>
+                <a:t>DEEP CONVOLUTIONAL NETWORKS FOR LARGE-SCALE IMAGE RECOGNITION</a:t>
               </a:r>
             </a:p>
           </p:txBody>
@@ -6442,7 +6467,7 @@
         </p:nvSpPr>
         <p:spPr>
           <a:xfrm>
-            <a:off x="6463549" y="3270711"/>
+            <a:off x="6463549" y="3522615"/>
             <a:ext cx="5420591" cy="604685"/>
           </a:xfrm>
           <a:prstGeom prst="roundRect">
@@ -6643,7 +6668,7 @@
         <p:spPr>
           <a:xfrm>
             <a:off x="6463548" y="5720742"/>
-            <a:ext cx="5420591" cy="738664"/>
+            <a:ext cx="5420591" cy="461665"/>
           </a:xfrm>
           <a:prstGeom prst="rect">
             <a:avLst/>
@@ -6660,54 +6685,22 @@
           <a:lstStyle/>
           <a:p>
             <a:r>
-              <a:rPr kumimoji="1" lang="en-US" altLang="ja-JP" sz="1050" dirty="0" smtClean="0">
-                <a:latin typeface="メイリオ"/>
-                <a:ea typeface="メイリオ"/>
-                <a:cs typeface="メイリオ"/>
-              </a:rPr>
-              <a:t>RPN</a:t>
-            </a:r>
-            <a:r>
-              <a:rPr kumimoji="1" lang="ja-JP" altLang="en-US" sz="1050" dirty="0" smtClean="0">
-                <a:latin typeface="メイリオ"/>
-                <a:ea typeface="メイリオ"/>
-                <a:cs typeface="メイリオ"/>
-              </a:rPr>
-              <a:t>で利用されている</a:t>
-            </a:r>
-            <a:r>
-              <a:rPr kumimoji="1" lang="en-US" altLang="ja-JP" sz="1050" dirty="0" smtClean="0">
-                <a:latin typeface="メイリオ"/>
-                <a:ea typeface="メイリオ"/>
-                <a:cs typeface="メイリオ"/>
-              </a:rPr>
-              <a:t>Fully CNN</a:t>
-            </a:r>
-            <a:r>
-              <a:rPr kumimoji="1" lang="ja-JP" altLang="en-US" sz="1050" dirty="0" smtClean="0">
-                <a:latin typeface="メイリオ"/>
-                <a:ea typeface="メイリオ"/>
-                <a:cs typeface="メイリオ"/>
-              </a:rPr>
-              <a:t>と</a:t>
-            </a:r>
-            <a:r>
-              <a:rPr kumimoji="1" lang="en-US" altLang="ja-JP" sz="1050" dirty="0" smtClean="0">
-                <a:latin typeface="メイリオ"/>
-                <a:ea typeface="メイリオ"/>
-                <a:cs typeface="メイリオ"/>
-              </a:rPr>
-              <a:t>VGG-16</a:t>
-            </a:r>
-            <a:r>
-              <a:rPr kumimoji="1" lang="ja-JP" altLang="en-US" sz="1050" dirty="0" smtClean="0">
-                <a:latin typeface="メイリオ"/>
-                <a:ea typeface="メイリオ"/>
-                <a:cs typeface="メイリオ"/>
-              </a:rPr>
-              <a:t>について深掘りする</a:t>
-            </a:r>
-            <a:endParaRPr kumimoji="1" lang="en-US" altLang="ja-JP" sz="1050" dirty="0" smtClean="0">
+              <a:rPr lang="en-US" altLang="ja-JP" sz="1200" dirty="0" err="1" smtClean="0">
+                <a:latin typeface="メイリオ"/>
+                <a:ea typeface="メイリオ"/>
+                <a:cs typeface="メイリオ"/>
+              </a:rPr>
+              <a:t>GoogleNet</a:t>
+            </a:r>
+            <a:r>
+              <a:rPr lang="ja-JP" altLang="en-US" sz="1200" dirty="0" smtClean="0">
+                <a:latin typeface="メイリオ"/>
+                <a:ea typeface="メイリオ"/>
+                <a:cs typeface="メイリオ"/>
+              </a:rPr>
+              <a:t>を調べる</a:t>
+            </a:r>
+            <a:endParaRPr lang="en-US" altLang="ja-JP" sz="1200" dirty="0" smtClean="0">
               <a:latin typeface="メイリオ"/>
               <a:ea typeface="メイリオ"/>
               <a:cs typeface="メイリオ"/>
@@ -6719,68 +6712,14 @@
               <a:buChar char="•"/>
             </a:pPr>
             <a:r>
-              <a:rPr lang="en-US" altLang="ja-JP" sz="1050" dirty="0">
-                <a:latin typeface="メイリオ"/>
-                <a:ea typeface="メイリオ"/>
-                <a:cs typeface="メイリオ"/>
-              </a:rPr>
-              <a:t>Fully convolutional networks for semantic </a:t>
-            </a:r>
-            <a:r>
-              <a:rPr lang="en-US" altLang="ja-JP" sz="1050" dirty="0" smtClean="0">
-                <a:latin typeface="メイリオ"/>
-                <a:ea typeface="メイリオ"/>
-                <a:cs typeface="メイリオ"/>
-              </a:rPr>
-              <a:t>segmentation</a:t>
-            </a:r>
-            <a:r>
-              <a:rPr lang="en-US" altLang="ja-JP" sz="1050" dirty="0" smtClean="0">
-                <a:latin typeface="メイリオ"/>
-                <a:ea typeface="メイリオ"/>
-                <a:cs typeface="メイリオ"/>
-              </a:rPr>
-              <a:t>, 2015</a:t>
-            </a:r>
-          </a:p>
-          <a:p>
-            <a:pPr marL="171450" indent="-171450">
-              <a:buFont typeface="Arial"/>
-              <a:buChar char="•"/>
-            </a:pPr>
-            <a:r>
-              <a:rPr lang="en-US" altLang="ja-JP" sz="1050" dirty="0" smtClean="0">
-                <a:latin typeface="メイリオ"/>
-                <a:ea typeface="メイリオ"/>
-                <a:cs typeface="メイリオ"/>
-              </a:rPr>
-              <a:t>VERY </a:t>
-            </a:r>
-            <a:r>
-              <a:rPr lang="en-US" altLang="ja-JP" sz="1050" dirty="0">
-                <a:latin typeface="メイリオ"/>
-                <a:ea typeface="メイリオ"/>
-                <a:cs typeface="メイリオ"/>
-              </a:rPr>
-              <a:t>DEEP CONVOLUTIONAL NETWORKS FOR LARGE-SCALE IMAGE </a:t>
-            </a:r>
-            <a:r>
-              <a:rPr lang="en-US" altLang="ja-JP" sz="1050" dirty="0" smtClean="0">
-                <a:latin typeface="メイリオ"/>
-                <a:ea typeface="メイリオ"/>
-                <a:cs typeface="メイリオ"/>
-              </a:rPr>
-              <a:t>RECOGNITION</a:t>
-            </a:r>
-            <a:r>
-              <a:rPr lang="en-US" altLang="ja-JP" sz="1050" dirty="0" smtClean="0">
-                <a:latin typeface="メイリオ"/>
-                <a:ea typeface="メイリオ"/>
-                <a:cs typeface="メイリオ"/>
-              </a:rPr>
-              <a:t>, 2015.</a:t>
-            </a:r>
-            <a:endParaRPr lang="ja-JP" altLang="ja-JP" sz="1050" dirty="0">
+              <a:rPr lang="en-US" altLang="ja-JP" sz="1200" dirty="0" smtClean="0">
+                <a:latin typeface="メイリオ"/>
+                <a:ea typeface="メイリオ"/>
+                <a:cs typeface="メイリオ"/>
+              </a:rPr>
+              <a:t>Going deeper with convolutions, 2014</a:t>
+            </a:r>
+            <a:endParaRPr lang="ja-JP" altLang="ja-JP" sz="1200" dirty="0">
               <a:latin typeface="メイリオ"/>
               <a:ea typeface="メイリオ"/>
               <a:cs typeface="メイリオ"/>
@@ -6797,7 +6736,7 @@
         <p:spPr>
           <a:xfrm>
             <a:off x="270738" y="5071321"/>
-            <a:ext cx="5420590" cy="738664"/>
+            <a:ext cx="5420590" cy="461665"/>
           </a:xfrm>
           <a:prstGeom prst="rect">
             <a:avLst/>
@@ -6818,31 +6757,39 @@
               <a:buChar char="•"/>
             </a:pPr>
             <a:r>
-              <a:rPr lang="en-US" altLang="ja-JP" sz="1050" dirty="0">
-                <a:latin typeface="メイリオ"/>
-                <a:ea typeface="メイリオ"/>
-                <a:cs typeface="メイリオ"/>
-              </a:rPr>
-              <a:t>PASCAL VOC 2007, 2012</a:t>
-            </a:r>
-            <a:r>
-              <a:rPr lang="ja-JP" altLang="ja-JP" sz="1050" dirty="0">
-                <a:latin typeface="メイリオ"/>
-                <a:ea typeface="メイリオ"/>
-                <a:cs typeface="メイリオ"/>
-              </a:rPr>
-              <a:t>と</a:t>
-            </a:r>
-            <a:r>
-              <a:rPr lang="en-US" altLang="ja-JP" sz="1050" dirty="0">
-                <a:latin typeface="メイリオ"/>
-                <a:ea typeface="メイリオ"/>
-                <a:cs typeface="メイリオ"/>
-              </a:rPr>
-              <a:t>MS COCO datasets</a:t>
-            </a:r>
-            <a:r>
-              <a:rPr lang="ja-JP" altLang="ja-JP" sz="1050" dirty="0" smtClean="0">
+              <a:rPr lang="en-US" altLang="ja-JP" sz="1200" dirty="0">
+                <a:latin typeface="メイリオ"/>
+                <a:ea typeface="メイリオ"/>
+                <a:cs typeface="メイリオ"/>
+              </a:rPr>
+              <a:t>PASCAL VOC 2011-2, NYUDv2, </a:t>
+            </a:r>
+            <a:r>
+              <a:rPr lang="en-US" altLang="ja-JP" sz="1200" dirty="0" smtClean="0">
+                <a:latin typeface="メイリオ"/>
+                <a:ea typeface="メイリオ"/>
+                <a:cs typeface="メイリオ"/>
+              </a:rPr>
+              <a:t>SIFT Flow</a:t>
+            </a:r>
+            <a:r>
+              <a:rPr lang="ja-JP" altLang="en-US" sz="1200" dirty="0" smtClean="0">
+                <a:latin typeface="メイリオ"/>
+                <a:ea typeface="メイリオ"/>
+                <a:cs typeface="メイリオ"/>
+              </a:rPr>
+              <a:t> </a:t>
+            </a:r>
+            <a:r>
+              <a:rPr lang="en-US" altLang="ja-JP" sz="1200" dirty="0" smtClean="0">
+                <a:latin typeface="メイリオ"/>
+                <a:ea typeface="メイリオ"/>
+                <a:cs typeface="メイリオ"/>
+              </a:rPr>
+              <a:t>datasets</a:t>
+            </a:r>
+            <a:r>
+              <a:rPr lang="ja-JP" altLang="ja-JP" sz="1200" dirty="0" smtClean="0">
                 <a:latin typeface="メイリオ"/>
                 <a:ea typeface="メイリオ"/>
                 <a:cs typeface="メイリオ"/>
@@ -6850,14 +6797,14 @@
               <a:t>を</a:t>
             </a:r>
             <a:r>
-              <a:rPr lang="ja-JP" altLang="en-US" sz="1050" dirty="0" smtClean="0">
+              <a:rPr lang="ja-JP" altLang="en-US" sz="1200" dirty="0" smtClean="0">
                 <a:latin typeface="メイリオ"/>
                 <a:ea typeface="メイリオ"/>
                 <a:cs typeface="メイリオ"/>
               </a:rPr>
               <a:t>使用</a:t>
             </a:r>
-            <a:endParaRPr lang="en-US" altLang="ja-JP" sz="1050" dirty="0" smtClean="0">
+            <a:endParaRPr lang="en-US" altLang="ja-JP" sz="1200" dirty="0" smtClean="0">
               <a:latin typeface="メイリオ"/>
               <a:ea typeface="メイリオ"/>
               <a:cs typeface="メイリオ"/>
@@ -6869,138 +6816,29 @@
               <a:buChar char="•"/>
             </a:pPr>
             <a:r>
-              <a:rPr lang="ja-JP" altLang="ja-JP" sz="1050" dirty="0" smtClean="0">
-                <a:latin typeface="メイリオ"/>
-                <a:ea typeface="メイリオ"/>
-                <a:cs typeface="メイリオ"/>
-              </a:rPr>
-              <a:t>従来</a:t>
-            </a:r>
-            <a:r>
-              <a:rPr lang="ja-JP" altLang="ja-JP" sz="1050" dirty="0">
-                <a:latin typeface="メイリオ"/>
-                <a:ea typeface="メイリオ"/>
-                <a:cs typeface="メイリオ"/>
-              </a:rPr>
-              <a:t>の</a:t>
-            </a:r>
-            <a:r>
-              <a:rPr lang="en-US" altLang="ja-JP" sz="1050" dirty="0">
-                <a:latin typeface="メイリオ"/>
-                <a:ea typeface="メイリオ"/>
-                <a:cs typeface="メイリオ"/>
-              </a:rPr>
-              <a:t>Selective Search</a:t>
-            </a:r>
-            <a:r>
-              <a:rPr lang="ja-JP" altLang="ja-JP" sz="1050" dirty="0">
-                <a:latin typeface="メイリオ"/>
-                <a:ea typeface="メイリオ"/>
-                <a:cs typeface="メイリオ"/>
-              </a:rPr>
-              <a:t>の</a:t>
-            </a:r>
-            <a:r>
-              <a:rPr lang="en-US" altLang="ja-JP" sz="1050" dirty="0">
-                <a:latin typeface="メイリオ"/>
-                <a:ea typeface="メイリオ"/>
-                <a:cs typeface="メイリオ"/>
-              </a:rPr>
-              <a:t>Fast R-CNN</a:t>
-            </a:r>
-            <a:r>
-              <a:rPr lang="ja-JP" altLang="ja-JP" sz="1050" dirty="0">
-                <a:latin typeface="メイリオ"/>
-                <a:ea typeface="メイリオ"/>
-                <a:cs typeface="メイリオ"/>
-              </a:rPr>
-              <a:t>に比べ、</a:t>
-            </a:r>
-            <a:r>
-              <a:rPr lang="en-US" altLang="ja-JP" sz="1050" dirty="0">
-                <a:latin typeface="メイリオ"/>
-                <a:ea typeface="メイリオ"/>
-                <a:cs typeface="メイリオ"/>
-              </a:rPr>
-              <a:t>Faster R-CNN</a:t>
-            </a:r>
-            <a:r>
-              <a:rPr lang="ja-JP" altLang="ja-JP" sz="1050" dirty="0">
-                <a:latin typeface="メイリオ"/>
-                <a:ea typeface="メイリオ"/>
-                <a:cs typeface="メイリオ"/>
-              </a:rPr>
-              <a:t>と</a:t>
-            </a:r>
-            <a:r>
-              <a:rPr lang="en-US" altLang="ja-JP" sz="1050" dirty="0">
-                <a:latin typeface="メイリオ"/>
-                <a:ea typeface="メイリオ"/>
-                <a:cs typeface="メイリオ"/>
-              </a:rPr>
-              <a:t>VGG-16</a:t>
-            </a:r>
-            <a:r>
-              <a:rPr lang="ja-JP" altLang="ja-JP" sz="1050" dirty="0">
-                <a:latin typeface="メイリオ"/>
-                <a:ea typeface="メイリオ"/>
-                <a:cs typeface="メイリオ"/>
-              </a:rPr>
-              <a:t>モデルを用いた場合の方が、</a:t>
-            </a:r>
-            <a:r>
-              <a:rPr lang="en-US" altLang="ja-JP" sz="1050" dirty="0" err="1">
-                <a:latin typeface="メイリオ"/>
-                <a:ea typeface="メイリオ"/>
-                <a:cs typeface="メイリオ"/>
-              </a:rPr>
-              <a:t>mAP</a:t>
-            </a:r>
-            <a:r>
-              <a:rPr lang="en-US" altLang="ja-JP" sz="1050" dirty="0">
-                <a:latin typeface="メイリオ"/>
-                <a:ea typeface="メイリオ"/>
-                <a:cs typeface="メイリオ"/>
-              </a:rPr>
-              <a:t>(mean Average Precision)</a:t>
-            </a:r>
-            <a:r>
-              <a:rPr lang="ja-JP" altLang="ja-JP" sz="1050" dirty="0">
-                <a:latin typeface="メイリオ"/>
-                <a:ea typeface="メイリオ"/>
-                <a:cs typeface="メイリオ"/>
-              </a:rPr>
-              <a:t>やフレームレート</a:t>
-            </a:r>
-            <a:r>
-              <a:rPr lang="en-US" altLang="ja-JP" sz="1050" dirty="0">
-                <a:latin typeface="メイリオ"/>
-                <a:ea typeface="メイリオ"/>
-                <a:cs typeface="メイリオ"/>
-              </a:rPr>
-              <a:t>(fps)</a:t>
-            </a:r>
-            <a:r>
-              <a:rPr lang="ja-JP" altLang="ja-JP" sz="1050" dirty="0">
-                <a:latin typeface="メイリオ"/>
-                <a:ea typeface="メイリオ"/>
-                <a:cs typeface="メイリオ"/>
-              </a:rPr>
-              <a:t>が大幅に</a:t>
-            </a:r>
-            <a:r>
-              <a:rPr lang="ja-JP" altLang="ja-JP" sz="1050" dirty="0" smtClean="0">
-                <a:latin typeface="メイリオ"/>
-                <a:ea typeface="メイリオ"/>
-                <a:cs typeface="メイリオ"/>
-              </a:rPr>
-              <a:t>改善</a:t>
-            </a:r>
-            <a:endParaRPr lang="ja-JP" altLang="ja-JP" sz="1050" dirty="0">
-              <a:latin typeface="メイリオ"/>
-              <a:ea typeface="メイリオ"/>
-              <a:cs typeface="メイリオ"/>
-            </a:endParaRPr>
+              <a:rPr lang="ja-JP" altLang="en-US" sz="1200" dirty="0" smtClean="0">
+                <a:latin typeface="メイリオ"/>
+                <a:ea typeface="メイリオ"/>
+                <a:cs typeface="メイリオ"/>
+              </a:rPr>
+              <a:t>ピクセル毎の多変量ロジスティック損失関数、平均ピクセル</a:t>
+            </a:r>
+            <a:r>
+              <a:rPr lang="en-US" altLang="ja-JP" sz="1200" dirty="0" err="1" smtClean="0">
+                <a:latin typeface="メイリオ"/>
+                <a:ea typeface="メイリオ"/>
+                <a:cs typeface="メイリオ"/>
+              </a:rPr>
+              <a:t>IoU</a:t>
+            </a:r>
+            <a:r>
+              <a:rPr lang="ja-JP" altLang="en-US" sz="1200" dirty="0" smtClean="0">
+                <a:latin typeface="メイリオ"/>
+                <a:ea typeface="メイリオ"/>
+                <a:cs typeface="メイリオ"/>
+              </a:rPr>
+              <a:t>を計算</a:t>
+            </a:r>
           </a:p>
         </p:txBody>
       </p:sp>
@@ -7013,7 +6851,7 @@
         <p:spPr>
           <a:xfrm>
             <a:off x="6463548" y="2349569"/>
-            <a:ext cx="5420591" cy="738664"/>
+            <a:ext cx="5420591" cy="1200329"/>
           </a:xfrm>
           <a:prstGeom prst="rect">
             <a:avLst/>
@@ -7034,54 +6872,30 @@
               <a:buChar char="•"/>
             </a:pPr>
             <a:r>
-              <a:rPr kumimoji="1" lang="en-US" altLang="ja-JP" sz="1050" dirty="0" smtClean="0">
-                <a:latin typeface="メイリオ"/>
-                <a:ea typeface="メイリオ"/>
-                <a:cs typeface="メイリオ"/>
-              </a:rPr>
-              <a:t>RPN</a:t>
-            </a:r>
-            <a:r>
-              <a:rPr lang="ja-JP" altLang="en-US" sz="1050" dirty="0" smtClean="0">
-                <a:latin typeface="メイリオ"/>
-                <a:ea typeface="メイリオ"/>
-                <a:cs typeface="メイリオ"/>
-              </a:rPr>
-              <a:t>は</a:t>
-            </a:r>
-            <a:r>
-              <a:rPr lang="en-US" altLang="ja-JP" sz="1050" dirty="0" smtClean="0">
-                <a:latin typeface="メイリオ"/>
-                <a:ea typeface="メイリオ"/>
-                <a:cs typeface="メイリオ"/>
-              </a:rPr>
-              <a:t>Fully CNN</a:t>
-            </a:r>
-            <a:r>
-              <a:rPr lang="ja-JP" altLang="en-US" sz="1050" dirty="0" smtClean="0">
-                <a:latin typeface="メイリオ"/>
-                <a:ea typeface="メイリオ"/>
-                <a:cs typeface="メイリオ"/>
-              </a:rPr>
-              <a:t>と</a:t>
-            </a:r>
-            <a:r>
-              <a:rPr lang="en-US" altLang="ja-JP" sz="1050" dirty="0" smtClean="0">
-                <a:latin typeface="メイリオ"/>
-                <a:ea typeface="メイリオ"/>
-                <a:cs typeface="メイリオ"/>
-              </a:rPr>
-              <a:t>VGG-16</a:t>
-            </a:r>
-            <a:r>
-              <a:rPr lang="ja-JP" altLang="en-US" sz="1050" dirty="0" smtClean="0">
-                <a:latin typeface="メイリオ"/>
-                <a:ea typeface="メイリオ"/>
-                <a:cs typeface="メイリオ"/>
-              </a:rPr>
-              <a:t>を利用して、元画像からの特徴量マップ上で検出領域の提案をしている</a:t>
-            </a:r>
-            <a:endParaRPr kumimoji="1" lang="en-US" altLang="ja-JP" sz="1050" dirty="0" smtClean="0">
+              <a:rPr kumimoji="1" lang="ja-JP" altLang="en-US" sz="1200" dirty="0" smtClean="0">
+                <a:latin typeface="メイリオ"/>
+                <a:ea typeface="メイリオ"/>
+                <a:cs typeface="メイリオ"/>
+              </a:rPr>
+              <a:t>全結合層は、</a:t>
+            </a:r>
+            <a:r>
+              <a:rPr kumimoji="1" lang="en-US" altLang="ja-JP" sz="1200" dirty="0" smtClean="0">
+                <a:latin typeface="メイリオ"/>
+                <a:ea typeface="メイリオ"/>
+                <a:cs typeface="メイリオ"/>
+              </a:rPr>
+              <a:t>1*1</a:t>
+            </a:r>
+            <a:r>
+              <a:rPr kumimoji="1" lang="ja-JP" altLang="en-US" sz="1200" dirty="0" smtClean="0">
+                <a:latin typeface="メイリオ"/>
+                <a:ea typeface="メイリオ"/>
+                <a:cs typeface="メイリオ"/>
+              </a:rPr>
+              <a:t>の畳み込み演算をユニット数分だけ繰り返していることに相当</a:t>
+            </a:r>
+            <a:endParaRPr lang="en-US" altLang="ja-JP" sz="1200" dirty="0">
               <a:latin typeface="メイリオ"/>
               <a:ea typeface="メイリオ"/>
               <a:cs typeface="メイリオ"/>
@@ -7093,35 +6907,81 @@
               <a:buChar char="•"/>
             </a:pPr>
             <a:r>
-              <a:rPr kumimoji="1" lang="ja-JP" altLang="en-US" sz="1050" dirty="0" smtClean="0">
-                <a:latin typeface="メイリオ"/>
-                <a:ea typeface="メイリオ"/>
-                <a:cs typeface="メイリオ"/>
-              </a:rPr>
-              <a:t>アンカーの導入（同一中心で複数領域のスコア算出、物体検出箇所の</a:t>
-            </a:r>
-            <a:r>
-              <a:rPr kumimoji="1" lang="en-US" altLang="ja-JP" sz="1050" dirty="0" smtClean="0">
-                <a:latin typeface="メイリオ"/>
-                <a:ea typeface="メイリオ"/>
-                <a:cs typeface="メイリオ"/>
-              </a:rPr>
-              <a:t>reference</a:t>
-            </a:r>
-            <a:r>
-              <a:rPr kumimoji="1" lang="ja-JP" altLang="en-US" sz="1050" dirty="0" smtClean="0">
-                <a:latin typeface="メイリオ"/>
-                <a:ea typeface="メイリオ"/>
-                <a:cs typeface="メイリオ"/>
-              </a:rPr>
-              <a:t>としての役割など）</a:t>
-            </a:r>
-            <a:endParaRPr kumimoji="1" lang="ja-JP" altLang="en-US" sz="1050" dirty="0">
+              <a:rPr kumimoji="1" lang="ja-JP" altLang="en-US" sz="1200" dirty="0" smtClean="0">
+                <a:latin typeface="メイリオ"/>
+                <a:ea typeface="メイリオ"/>
+                <a:cs typeface="メイリオ"/>
+              </a:rPr>
+              <a:t>全結合層も畳み込み層で置換し、分類結果の代わりに、いわゆる人間の受容野の発火部位マップとして出力</a:t>
+            </a:r>
+            <a:endParaRPr kumimoji="1" lang="en-US" altLang="ja-JP" sz="1200" dirty="0" smtClean="0">
               <a:latin typeface="メイリオ"/>
               <a:ea typeface="メイリオ"/>
               <a:cs typeface="メイリオ"/>
             </a:endParaRPr>
           </a:p>
+          <a:p>
+            <a:pPr marL="171450" indent="-171450">
+              <a:buFont typeface="Arial"/>
+              <a:buChar char="•"/>
+            </a:pPr>
+            <a:r>
+              <a:rPr kumimoji="1" lang="ja-JP" altLang="en-US" sz="1200" dirty="0" smtClean="0">
+                <a:latin typeface="メイリオ"/>
+                <a:ea typeface="メイリオ"/>
+                <a:cs typeface="メイリオ"/>
+              </a:rPr>
+              <a:t>最終層の</a:t>
+            </a:r>
+            <a:r>
+              <a:rPr kumimoji="1" lang="en-US" altLang="ja-JP" sz="1200" dirty="0" smtClean="0">
+                <a:latin typeface="メイリオ"/>
+                <a:ea typeface="メイリオ"/>
+                <a:cs typeface="メイリオ"/>
+              </a:rPr>
+              <a:t>up-sampling</a:t>
+            </a:r>
+            <a:r>
+              <a:rPr kumimoji="1" lang="ja-JP" altLang="en-US" sz="1200" dirty="0" smtClean="0">
+                <a:latin typeface="メイリオ"/>
+                <a:ea typeface="メイリオ"/>
+                <a:cs typeface="メイリオ"/>
+              </a:rPr>
+              <a:t>だけでは画像が粗いので、途中の各</a:t>
+            </a:r>
+            <a:r>
+              <a:rPr kumimoji="1" lang="en-US" altLang="ja-JP" sz="1200" dirty="0" smtClean="0">
+                <a:latin typeface="メイリオ"/>
+                <a:ea typeface="メイリオ"/>
+                <a:cs typeface="メイリオ"/>
+              </a:rPr>
+              <a:t>Pooling</a:t>
+            </a:r>
+            <a:r>
+              <a:rPr kumimoji="1" lang="ja-JP" altLang="en-US" sz="1200" dirty="0" smtClean="0">
+                <a:latin typeface="メイリオ"/>
+                <a:ea typeface="メイリオ"/>
+                <a:cs typeface="メイリオ"/>
+              </a:rPr>
+              <a:t>層もそれぞれ</a:t>
+            </a:r>
+            <a:r>
+              <a:rPr kumimoji="1" lang="en-US" altLang="ja-JP" sz="1200" dirty="0" smtClean="0">
+                <a:latin typeface="メイリオ"/>
+                <a:ea typeface="メイリオ"/>
+                <a:cs typeface="メイリオ"/>
+              </a:rPr>
+              <a:t>up-sampling</a:t>
+            </a:r>
+            <a:r>
+              <a:rPr kumimoji="1" lang="ja-JP" altLang="en-US" sz="1200" dirty="0" smtClean="0">
+                <a:latin typeface="メイリオ"/>
+                <a:ea typeface="メイリオ"/>
+                <a:cs typeface="メイリオ"/>
+              </a:rPr>
+              <a:t>させて最終層の画像サイズに合わせ、足し合わせる</a:t>
+            </a:r>
+          </a:p>
         </p:txBody>
       </p:sp>
       <p:sp>
@@ -7132,8 +6992,8 @@
         </p:nvSpPr>
         <p:spPr>
           <a:xfrm>
-            <a:off x="6463548" y="4051314"/>
-            <a:ext cx="5420591" cy="738664"/>
+            <a:off x="6463548" y="4303218"/>
+            <a:ext cx="5420591" cy="646331"/>
           </a:xfrm>
           <a:prstGeom prst="rect">
             <a:avLst/>
@@ -7154,21 +7014,34 @@
               <a:buChar char="•"/>
             </a:pPr>
             <a:r>
-              <a:rPr lang="ja-JP" altLang="en-US" sz="1050" dirty="0" smtClean="0">
-                <a:latin typeface="メイリオ"/>
-                <a:ea typeface="メイリオ"/>
-                <a:cs typeface="メイリオ"/>
-              </a:rPr>
-              <a:t>クラス分類とバウンディングボックスの回帰の学習をマルチタスク損失による同時計算で効率化</a:t>
-            </a:r>
-            <a:r>
-              <a:rPr lang="en-US" altLang="ja-JP" sz="1050" dirty="0" smtClean="0">
-                <a:latin typeface="メイリオ"/>
-                <a:ea typeface="メイリオ"/>
-                <a:cs typeface="メイリオ"/>
-              </a:rPr>
-              <a:t>(Fast R-CNN)</a:t>
-            </a:r>
+              <a:rPr lang="ja-JP" altLang="en-US" sz="1200" dirty="0">
+                <a:latin typeface="メイリオ"/>
+                <a:ea typeface="メイリオ"/>
+                <a:cs typeface="メイリオ"/>
+              </a:rPr>
+              <a:t>畳み込み層後の全結合層への入力サイズの考慮が不要なので</a:t>
+            </a:r>
+            <a:r>
+              <a:rPr lang="ja-JP" altLang="en-US" sz="1200" dirty="0" smtClean="0">
+                <a:latin typeface="メイリオ"/>
+                <a:ea typeface="メイリオ"/>
+                <a:cs typeface="メイリオ"/>
+              </a:rPr>
+              <a:t>、</a:t>
+            </a:r>
+            <a:r>
+              <a:rPr lang="ja-JP" altLang="en-US" sz="1200" dirty="0" smtClean="0">
+                <a:latin typeface="メイリオ"/>
+                <a:ea typeface="メイリオ"/>
+                <a:cs typeface="メイリオ"/>
+              </a:rPr>
+              <a:t>入力画像のサイズを固定する必要がない</a:t>
+            </a:r>
+            <a:endParaRPr lang="en-US" altLang="ja-JP" sz="1200" dirty="0" smtClean="0">
+              <a:latin typeface="メイリオ"/>
+              <a:ea typeface="メイリオ"/>
+              <a:cs typeface="メイリオ"/>
+            </a:endParaRPr>
           </a:p>
           <a:p>
             <a:pPr marL="171450" indent="-171450">
@@ -7176,14 +7049,30 @@
               <a:buChar char="•"/>
             </a:pPr>
             <a:r>
-              <a:rPr lang="ja-JP" altLang="en-US" sz="1050" dirty="0" smtClean="0">
-                <a:latin typeface="メイリオ"/>
-                <a:ea typeface="メイリオ"/>
-                <a:cs typeface="メイリオ"/>
-              </a:rPr>
-              <a:t>畳み込み層後の特徴量マップで物体領域の提案をしているので、バウンディングボックス毎の畳み込み計算が不要</a:t>
-            </a:r>
-            <a:endParaRPr kumimoji="1" lang="ja-JP" altLang="en-US" sz="1050" dirty="0">
+              <a:rPr lang="ja-JP" altLang="en-US" sz="1200" dirty="0" smtClean="0">
+                <a:latin typeface="メイリオ"/>
+                <a:ea typeface="メイリオ"/>
+                <a:cs typeface="メイリオ"/>
+              </a:rPr>
+              <a:t>全て畳み込み層で</a:t>
+            </a:r>
+            <a:r>
+              <a:rPr lang="en-US" altLang="ja-JP" sz="1200" dirty="0" smtClean="0">
+                <a:latin typeface="メイリオ"/>
+                <a:ea typeface="メイリオ"/>
+                <a:cs typeface="メイリオ"/>
+              </a:rPr>
+              <a:t>straightforward</a:t>
+            </a:r>
+            <a:r>
+              <a:rPr lang="ja-JP" altLang="en-US" sz="1200" dirty="0" smtClean="0">
+                <a:latin typeface="メイリオ"/>
+                <a:ea typeface="メイリオ"/>
+                <a:cs typeface="メイリオ"/>
+              </a:rPr>
+              <a:t>なので、計算が圧倒的に速い</a:t>
+            </a:r>
+            <a:endParaRPr lang="en-US" altLang="ja-JP" sz="1200" dirty="0">
               <a:latin typeface="メイリオ"/>
               <a:ea typeface="メイリオ"/>
               <a:cs typeface="メイリオ"/>
@@ -7200,7 +7089,7 @@
         <p:spPr>
           <a:xfrm>
             <a:off x="304793" y="2423105"/>
-            <a:ext cx="5420590" cy="1546577"/>
+            <a:ext cx="5420590" cy="1384995"/>
           </a:xfrm>
           <a:prstGeom prst="rect">
             <a:avLst/>
@@ -7221,30 +7110,22 @@
               <a:buChar char="•"/>
             </a:pPr>
             <a:r>
-              <a:rPr lang="en-US" altLang="ja-JP" sz="1050" dirty="0" smtClean="0">
-                <a:latin typeface="メイリオ"/>
-                <a:ea typeface="メイリオ"/>
-                <a:cs typeface="メイリオ"/>
-              </a:rPr>
-              <a:t>Fast R-CNN</a:t>
-            </a:r>
-            <a:r>
-              <a:rPr lang="ja-JP" altLang="en-US" sz="1050" dirty="0" smtClean="0">
-                <a:latin typeface="メイリオ"/>
-                <a:ea typeface="メイリオ"/>
-                <a:cs typeface="メイリオ"/>
-              </a:rPr>
-              <a:t>の</a:t>
-            </a:r>
-            <a:r>
-              <a:rPr lang="ja-JP" altLang="en-US" sz="1050" dirty="0" smtClean="0">
-                <a:latin typeface="メイリオ"/>
-                <a:ea typeface="メイリオ"/>
-                <a:cs typeface="メイリオ"/>
-              </a:rPr>
-              <a:t>改良版</a:t>
-            </a:r>
-            <a:endParaRPr lang="en-US" altLang="ja-JP" sz="1050" dirty="0">
+              <a:rPr lang="en-US" altLang="ja-JP" sz="1200" dirty="0" smtClean="0">
+                <a:latin typeface="メイリオ"/>
+                <a:ea typeface="メイリオ"/>
+                <a:cs typeface="メイリオ"/>
+              </a:rPr>
+              <a:t>ILSVRC</a:t>
+            </a:r>
+            <a:r>
+              <a:rPr lang="ja-JP" altLang="en-US" sz="1200" dirty="0" smtClean="0">
+                <a:latin typeface="メイリオ"/>
+                <a:ea typeface="メイリオ"/>
+                <a:cs typeface="メイリオ"/>
+              </a:rPr>
+              <a:t>分類器をベースとし、</a:t>
+            </a:r>
+            <a:endParaRPr lang="en-US" altLang="ja-JP" sz="1200" dirty="0" smtClean="0">
               <a:latin typeface="メイリオ"/>
               <a:ea typeface="メイリオ"/>
               <a:cs typeface="メイリオ"/>
@@ -7256,78 +7137,14 @@
               <a:buChar char="•"/>
             </a:pPr>
             <a:r>
-              <a:rPr lang="ja-JP" altLang="en-US" sz="1050" dirty="0" smtClean="0">
-                <a:latin typeface="メイリオ"/>
-                <a:ea typeface="メイリオ"/>
-                <a:cs typeface="メイリオ"/>
-              </a:rPr>
-              <a:t>物体検出において、</a:t>
-            </a:r>
-            <a:r>
-              <a:rPr lang="en-US" altLang="ja-JP" sz="1050" dirty="0" smtClean="0">
-                <a:latin typeface="メイリオ"/>
-                <a:ea typeface="メイリオ"/>
-                <a:cs typeface="メイリオ"/>
-              </a:rPr>
-              <a:t>Selective</a:t>
-            </a:r>
-            <a:r>
-              <a:rPr lang="en-US" altLang="ja-JP" sz="1050" dirty="0" smtClean="0">
-                <a:latin typeface="メイリオ"/>
-                <a:ea typeface="メイリオ"/>
-                <a:cs typeface="メイリオ"/>
-              </a:rPr>
-              <a:t>-</a:t>
-            </a:r>
-            <a:r>
-              <a:rPr lang="en-US" altLang="ja-JP" sz="1050" dirty="0" err="1" smtClean="0">
-                <a:latin typeface="メイリオ"/>
-                <a:ea typeface="メイリオ"/>
-                <a:cs typeface="メイリオ"/>
-              </a:rPr>
-              <a:t>Search</a:t>
-            </a:r>
-            <a:r>
-              <a:rPr lang="en-US" altLang="en-US" sz="1050" dirty="0" err="1" smtClean="0">
-                <a:latin typeface="メイリオ"/>
-                <a:ea typeface="メイリオ"/>
-                <a:cs typeface="メイリオ"/>
-              </a:rPr>
-              <a:t>の代わり</a:t>
-            </a:r>
-            <a:r>
-              <a:rPr lang="ja-JP" altLang="en-US" sz="1050" dirty="0" smtClean="0">
-                <a:latin typeface="メイリオ"/>
-                <a:ea typeface="メイリオ"/>
-                <a:cs typeface="メイリオ"/>
-              </a:rPr>
-              <a:t>に、畳み込み層後に</a:t>
-            </a:r>
-            <a:r>
-              <a:rPr lang="en-US" altLang="ja-JP" sz="1050" dirty="0" smtClean="0">
-                <a:latin typeface="メイリオ"/>
-                <a:ea typeface="メイリオ"/>
-                <a:cs typeface="メイリオ"/>
-              </a:rPr>
-              <a:t>Region Proposal Network(RPN)</a:t>
-            </a:r>
-            <a:r>
-              <a:rPr lang="ja-JP" altLang="en-US" sz="1050" dirty="0" smtClean="0">
-                <a:latin typeface="メイリオ"/>
-                <a:ea typeface="メイリオ"/>
-                <a:cs typeface="メイリオ"/>
-              </a:rPr>
-              <a:t>層を経てプーリングさせることで全結合層へ</a:t>
-            </a:r>
-            <a:r>
-              <a:rPr lang="ja-JP" altLang="en-US" sz="1050" dirty="0" smtClean="0">
-                <a:latin typeface="メイリオ"/>
-                <a:ea typeface="メイリオ"/>
-                <a:cs typeface="メイリオ"/>
-              </a:rPr>
-              <a:t>入力させる</a:t>
-            </a:r>
-            <a:endParaRPr lang="en-US" altLang="ja-JP" sz="1050" dirty="0">
+              <a:rPr lang="ja-JP" altLang="en-US" sz="1200" dirty="0" smtClean="0">
+                <a:latin typeface="メイリオ"/>
+                <a:ea typeface="メイリオ"/>
+                <a:cs typeface="メイリオ"/>
+              </a:rPr>
+              <a:t>一連のネットワーク各層の最後の出力層まで全て畳み込み層とする</a:t>
+            </a:r>
+            <a:endParaRPr lang="en-US" altLang="ja-JP" sz="1200" dirty="0" smtClean="0">
               <a:latin typeface="メイリオ"/>
               <a:ea typeface="メイリオ"/>
               <a:cs typeface="メイリオ"/>
@@ -7339,38 +7156,30 @@
               <a:buChar char="•"/>
             </a:pPr>
             <a:r>
-              <a:rPr lang="en-US" altLang="ja-JP" sz="1050" dirty="0" smtClean="0">
-                <a:latin typeface="メイリオ"/>
-                <a:ea typeface="メイリオ"/>
-                <a:cs typeface="メイリオ"/>
-              </a:rPr>
-              <a:t>RPN</a:t>
-            </a:r>
-            <a:r>
-              <a:rPr lang="ja-JP" altLang="en-US" sz="1050" dirty="0" smtClean="0">
-                <a:latin typeface="メイリオ"/>
-                <a:ea typeface="メイリオ"/>
-                <a:cs typeface="メイリオ"/>
-              </a:rPr>
-              <a:t>では特徴量マップ上での物体領域と</a:t>
-            </a:r>
-            <a:r>
-              <a:rPr lang="en-US" altLang="ja-JP" sz="1050" dirty="0" err="1" smtClean="0">
-                <a:latin typeface="メイリオ"/>
-                <a:ea typeface="メイリオ"/>
-                <a:cs typeface="メイリオ"/>
-              </a:rPr>
-              <a:t>objectness</a:t>
-            </a:r>
-            <a:r>
-              <a:rPr lang="ja-JP" altLang="en-US" sz="1050" dirty="0" smtClean="0">
-                <a:latin typeface="メイリオ"/>
-                <a:ea typeface="メイリオ"/>
-                <a:cs typeface="メイリオ"/>
-              </a:rPr>
-              <a:t>スコアを同時に算出</a:t>
-            </a:r>
-            <a:endParaRPr lang="en-US" altLang="ja-JP" sz="1050" dirty="0" smtClean="0">
+              <a:rPr lang="ja-JP" altLang="en-US" sz="1200" dirty="0" smtClean="0">
+                <a:latin typeface="メイリオ"/>
+                <a:ea typeface="メイリオ"/>
+                <a:cs typeface="メイリオ"/>
+              </a:rPr>
+              <a:t>出力層では、</a:t>
+            </a:r>
+            <a:r>
+              <a:rPr lang="en-US" altLang="en-US" sz="1200" dirty="0" smtClean="0">
+                <a:latin typeface="メイリオ"/>
+                <a:ea typeface="メイリオ"/>
+                <a:cs typeface="メイリオ"/>
+              </a:rPr>
+              <a:t>Up-sampling</a:t>
+            </a:r>
+            <a:r>
+              <a:rPr lang="ja-JP" altLang="en-US" sz="1200" dirty="0" smtClean="0">
+                <a:latin typeface="メイリオ"/>
+                <a:ea typeface="メイリオ"/>
+                <a:cs typeface="メイリオ"/>
+              </a:rPr>
+              <a:t>により最初の入力画像と同サイズのヒートマップを出力</a:t>
+            </a:r>
+            <a:endParaRPr lang="en-US" altLang="ja-JP" sz="1200" dirty="0" smtClean="0">
               <a:latin typeface="メイリオ"/>
               <a:ea typeface="メイリオ"/>
               <a:cs typeface="メイリオ"/>
@@ -7382,14 +7191,22 @@
               <a:buChar char="•"/>
             </a:pPr>
             <a:r>
-              <a:rPr lang="ja-JP" altLang="en-US" sz="1050" dirty="0" smtClean="0">
-                <a:latin typeface="メイリオ"/>
-                <a:ea typeface="メイリオ"/>
-                <a:cs typeface="メイリオ"/>
-              </a:rPr>
-              <a:t>上記スコア付き局所領域（バウンディングボックス）と回帰ネットワーク上のアンカーボックスの位置、スケール、アスペクト比を比較</a:t>
-            </a:r>
-            <a:endParaRPr lang="en-US" altLang="ja-JP" sz="1050" dirty="0" smtClean="0">
+              <a:rPr lang="ja-JP" altLang="en-US" sz="1200" dirty="0" smtClean="0">
+                <a:latin typeface="メイリオ"/>
+                <a:ea typeface="メイリオ"/>
+                <a:cs typeface="メイリオ"/>
+              </a:rPr>
+              <a:t>最後の出力は分類ラベルではなく</a:t>
+            </a:r>
+            <a:r>
+              <a:rPr lang="ja-JP" altLang="en-US" sz="1200" dirty="0" smtClean="0">
+                <a:latin typeface="メイリオ"/>
+                <a:ea typeface="メイリオ"/>
+                <a:cs typeface="メイリオ"/>
+              </a:rPr>
+              <a:t>、ピクセルレベルでの分類予測となる</a:t>
+            </a:r>
+            <a:endParaRPr lang="en-US" altLang="ja-JP" sz="1200" dirty="0" smtClean="0">
               <a:latin typeface="メイリオ"/>
               <a:ea typeface="メイリオ"/>
               <a:cs typeface="メイリオ"/>
@@ -7401,49 +7218,46 @@
               <a:buChar char="•"/>
             </a:pPr>
             <a:r>
-              <a:rPr lang="ja-JP" altLang="en-US" sz="1050" dirty="0" smtClean="0">
-                <a:latin typeface="メイリオ"/>
-                <a:ea typeface="メイリオ"/>
-                <a:cs typeface="メイリオ"/>
-              </a:rPr>
-              <a:t>比較結果を</a:t>
-            </a:r>
-            <a:r>
-              <a:rPr lang="en-US" altLang="ja-JP" sz="1050" dirty="0" smtClean="0">
-                <a:latin typeface="メイリオ"/>
-                <a:ea typeface="メイリオ"/>
-                <a:cs typeface="メイリオ"/>
-              </a:rPr>
-              <a:t>SGD</a:t>
-            </a:r>
-            <a:r>
-              <a:rPr lang="ja-JP" altLang="en-US" sz="1050" dirty="0" smtClean="0">
-                <a:latin typeface="メイリオ"/>
-                <a:ea typeface="メイリオ"/>
-                <a:cs typeface="メイリオ"/>
-              </a:rPr>
-              <a:t>で学習</a:t>
-            </a:r>
-            <a:endParaRPr lang="en-US" altLang="ja-JP" sz="1050" dirty="0" smtClean="0">
-              <a:latin typeface="メイリオ"/>
-              <a:ea typeface="メイリオ"/>
-              <a:cs typeface="メイリオ"/>
-            </a:endParaRPr>
-          </a:p>
-          <a:p>
-            <a:pPr marL="171450" indent="-171450">
-              <a:buFont typeface="Arial"/>
-              <a:buChar char="•"/>
-            </a:pPr>
-            <a:r>
-              <a:rPr lang="ja-JP" altLang="en-US" sz="1050" dirty="0" smtClean="0">
-                <a:latin typeface="メイリオ"/>
-                <a:ea typeface="メイリオ"/>
-                <a:cs typeface="メイリオ"/>
-              </a:rPr>
-              <a:t>物体の有無に関する損失（分類ネットワーク）と回帰損失を合わせたマルチタスク損失を最小化させる</a:t>
-            </a:r>
-            <a:endParaRPr lang="en-US" altLang="ja-JP" sz="1050" dirty="0" smtClean="0">
+              <a:rPr lang="en-US" altLang="ja-JP" sz="1200" dirty="0" err="1" smtClean="0">
+                <a:latin typeface="メイリオ"/>
+                <a:ea typeface="メイリオ"/>
+                <a:cs typeface="メイリオ"/>
+              </a:rPr>
+              <a:t>superpixel</a:t>
+            </a:r>
+            <a:r>
+              <a:rPr lang="en-US" altLang="en-US" sz="1200" dirty="0" smtClean="0">
+                <a:latin typeface="メイリオ"/>
+                <a:ea typeface="メイリオ"/>
+                <a:cs typeface="メイリオ"/>
+              </a:rPr>
+              <a:t>(</a:t>
+            </a:r>
+            <a:r>
+              <a:rPr lang="ja-JP" altLang="en-US" sz="1200" dirty="0" smtClean="0">
+                <a:latin typeface="メイリオ"/>
+                <a:ea typeface="メイリオ"/>
+                <a:cs typeface="メイリオ"/>
+              </a:rPr>
+              <a:t>距離的、色的に近い画素のクラスタリング</a:t>
+            </a:r>
+            <a:r>
+              <a:rPr lang="en-US" altLang="en-US" sz="1200" dirty="0" smtClean="0">
+                <a:latin typeface="メイリオ"/>
+                <a:ea typeface="メイリオ"/>
+                <a:cs typeface="メイリオ"/>
+              </a:rPr>
+              <a:t>)</a:t>
+            </a:r>
+            <a:r>
+              <a:rPr lang="ja-JP" altLang="en-US" sz="1200" dirty="0" smtClean="0">
+                <a:latin typeface="メイリオ"/>
+                <a:ea typeface="メイリオ"/>
+                <a:cs typeface="メイリオ"/>
+              </a:rPr>
+              <a:t>や物体検出領域の提案等の画像処理は行っていない</a:t>
+            </a:r>
+            <a:endParaRPr lang="en-US" altLang="ja-JP" sz="1200" dirty="0" smtClean="0">
               <a:latin typeface="メイリオ"/>
               <a:ea typeface="メイリオ"/>
               <a:cs typeface="メイリオ"/>
@@ -7540,12 +7354,52 @@
             <a:p>
               <a:pPr algn="ctr"/>
               <a:r>
+                <a:rPr lang="en-US" altLang="ja-JP" kern="0" dirty="0" smtClean="0">
+                  <a:latin typeface="メイリオ"/>
+                  <a:ea typeface="メイリオ"/>
+                  <a:cs typeface="メイリオ"/>
+                </a:rPr>
+                <a:t>Fully</a:t>
+              </a:r>
+              <a:r>
+                <a:rPr lang="ja-JP" altLang="en-US" kern="0" dirty="0" smtClean="0">
+                  <a:latin typeface="メイリオ"/>
+                  <a:ea typeface="メイリオ"/>
+                  <a:cs typeface="メイリオ"/>
+                </a:rPr>
+                <a:t> </a:t>
+              </a:r>
+              <a:r>
+                <a:rPr lang="en-US" altLang="ja-JP" kern="0" dirty="0" smtClean="0">
+                  <a:latin typeface="メイリオ"/>
+                  <a:ea typeface="メイリオ"/>
+                  <a:cs typeface="メイリオ"/>
+                </a:rPr>
+                <a:t>CNN:</a:t>
+              </a:r>
+              <a:r>
+                <a:rPr lang="ja-JP" altLang="en-US" kern="0" dirty="0" smtClean="0">
+                  <a:latin typeface="メイリオ"/>
+                  <a:ea typeface="メイリオ"/>
+                  <a:cs typeface="メイリオ"/>
+                </a:rPr>
+                <a:t> </a:t>
+              </a:r>
+              <a:r>
+                <a:rPr lang="en-US" altLang="ja-JP" kern="0" dirty="0" smtClean="0">
+                  <a:latin typeface="メイリオ"/>
+                  <a:ea typeface="メイリオ"/>
+                  <a:cs typeface="メイリオ"/>
+                </a:rPr>
+                <a:t>Fully </a:t>
+              </a:r>
+              <a:r>
                 <a:rPr lang="en-US" altLang="ja-JP" kern="0" dirty="0">
                   <a:latin typeface="メイリオ"/>
                   <a:ea typeface="メイリオ"/>
                   <a:cs typeface="メイリオ"/>
                 </a:rPr>
-                <a:t>Fully Convolutional Networks for Semantic Segmentation</a:t>
+                <a:t>Convolutional Networks for Semantic Segmentation</a:t>
               </a:r>
             </a:p>
           </p:txBody>
@@ -7870,6 +7724,1379 @@
     <p:extLst>
       <p:ext uri="{BB962C8B-B14F-4D97-AF65-F5344CB8AC3E}">
         <p14:creationId xmlns:p14="http://schemas.microsoft.com/office/powerpoint/2010/main" val="456825476"/>
+      </p:ext>
+    </p:extLst>
+  </p:cSld>
+  <p:clrMapOvr>
+    <a:masterClrMapping/>
+  </p:clrMapOvr>
+  <p:timing>
+    <p:tnLst>
+      <p:par>
+        <p:cTn xmlns:p14="http://schemas.microsoft.com/office/powerpoint/2010/main" id="1" dur="indefinite" restart="never" nodeType="tmRoot"/>
+      </p:par>
+    </p:tnLst>
+  </p:timing>
+</p:sld>
+</file>
+
+<file path=ppt/slides/slide5.xml><?xml version="1.0" encoding="utf-8"?>
+<p:sld xmlns:a="http://schemas.openxmlformats.org/drawingml/2006/main" xmlns:r="http://schemas.openxmlformats.org/officeDocument/2006/relationships" xmlns:p="http://schemas.openxmlformats.org/presentationml/2006/main">
+  <p:cSld>
+    <p:spTree>
+      <p:nvGrpSpPr>
+        <p:cNvPr id="1" name=""/>
+        <p:cNvGrpSpPr/>
+        <p:nvPr/>
+      </p:nvGrpSpPr>
+      <p:grpSpPr>
+        <a:xfrm>
+          <a:off x="0" y="0"/>
+          <a:ext cx="0" cy="0"/>
+          <a:chOff x="0" y="0"/>
+          <a:chExt cx="0" cy="0"/>
+        </a:xfrm>
+      </p:grpSpPr>
+      <p:sp>
+        <p:nvSpPr>
+          <p:cNvPr id="4" name="ttl-どんなもの？"/>
+          <p:cNvSpPr/>
+          <p:nvPr/>
+        </p:nvSpPr>
+        <p:spPr>
+          <a:xfrm>
+            <a:off x="304797" y="1640400"/>
+            <a:ext cx="5420591" cy="604685"/>
+          </a:xfrm>
+          <a:prstGeom prst="roundRect">
+            <a:avLst/>
+          </a:prstGeom>
+        </p:spPr>
+        <p:style>
+          <a:lnRef idx="2">
+            <a:schemeClr val="accent3"/>
+          </a:lnRef>
+          <a:fillRef idx="1">
+            <a:schemeClr val="lt1"/>
+          </a:fillRef>
+          <a:effectRef idx="0">
+            <a:schemeClr val="accent3"/>
+          </a:effectRef>
+          <a:fontRef idx="minor">
+            <a:schemeClr val="dk1"/>
+          </a:fontRef>
+        </p:style>
+        <p:txBody>
+          <a:bodyPr rtlCol="0" anchor="ctr"/>
+          <a:lstStyle/>
+          <a:p>
+            <a:pPr algn="ctr"/>
+            <a:r>
+              <a:rPr kumimoji="1" lang="ja-JP" altLang="en-US" dirty="0" smtClean="0">
+                <a:latin typeface="メイリオ"/>
+                <a:ea typeface="メイリオ"/>
+                <a:cs typeface="メイリオ"/>
+              </a:rPr>
+              <a:t>どんなもの？</a:t>
+            </a:r>
+            <a:endParaRPr kumimoji="1" lang="ja-JP" altLang="en-US" dirty="0">
+              <a:latin typeface="メイリオ"/>
+              <a:ea typeface="メイリオ"/>
+              <a:cs typeface="メイリオ"/>
+            </a:endParaRPr>
+          </a:p>
+        </p:txBody>
+      </p:sp>
+      <p:sp>
+        <p:nvSpPr>
+          <p:cNvPr id="5" name="ttl-先行研究と比べて何がすごい？"/>
+          <p:cNvSpPr/>
+          <p:nvPr/>
+        </p:nvSpPr>
+        <p:spPr>
+          <a:xfrm>
+            <a:off x="6463549" y="3522615"/>
+            <a:ext cx="5420591" cy="604685"/>
+          </a:xfrm>
+          <a:prstGeom prst="roundRect">
+            <a:avLst/>
+          </a:prstGeom>
+        </p:spPr>
+        <p:style>
+          <a:lnRef idx="2">
+            <a:schemeClr val="accent3"/>
+          </a:lnRef>
+          <a:fillRef idx="1">
+            <a:schemeClr val="lt1"/>
+          </a:fillRef>
+          <a:effectRef idx="0">
+            <a:schemeClr val="accent3"/>
+          </a:effectRef>
+          <a:fontRef idx="minor">
+            <a:schemeClr val="dk1"/>
+          </a:fontRef>
+        </p:style>
+        <p:txBody>
+          <a:bodyPr rtlCol="0" anchor="ctr"/>
+          <a:lstStyle/>
+          <a:p>
+            <a:pPr algn="ctr"/>
+            <a:r>
+              <a:rPr kumimoji="1" lang="ja-JP" altLang="en-US" dirty="0" smtClean="0">
+                <a:latin typeface="メイリオ"/>
+                <a:ea typeface="メイリオ"/>
+                <a:cs typeface="メイリオ"/>
+              </a:rPr>
+              <a:t>先行研究と比べて何がすごい？</a:t>
+            </a:r>
+            <a:endParaRPr kumimoji="1" lang="ja-JP" altLang="en-US" dirty="0">
+              <a:latin typeface="メイリオ"/>
+              <a:ea typeface="メイリオ"/>
+              <a:cs typeface="メイリオ"/>
+            </a:endParaRPr>
+          </a:p>
+        </p:txBody>
+      </p:sp>
+      <p:sp>
+        <p:nvSpPr>
+          <p:cNvPr id="6" name="ttl-技術の手法や肝は？"/>
+          <p:cNvSpPr/>
+          <p:nvPr/>
+        </p:nvSpPr>
+        <p:spPr>
+          <a:xfrm>
+            <a:off x="6463548" y="1639565"/>
+            <a:ext cx="5420591" cy="604685"/>
+          </a:xfrm>
+          <a:prstGeom prst="roundRect">
+            <a:avLst/>
+          </a:prstGeom>
+        </p:spPr>
+        <p:style>
+          <a:lnRef idx="2">
+            <a:schemeClr val="accent3"/>
+          </a:lnRef>
+          <a:fillRef idx="1">
+            <a:schemeClr val="lt1"/>
+          </a:fillRef>
+          <a:effectRef idx="0">
+            <a:schemeClr val="accent3"/>
+          </a:effectRef>
+          <a:fontRef idx="minor">
+            <a:schemeClr val="dk1"/>
+          </a:fontRef>
+        </p:style>
+        <p:txBody>
+          <a:bodyPr rtlCol="0" anchor="ctr"/>
+          <a:lstStyle/>
+          <a:p>
+            <a:pPr algn="ctr"/>
+            <a:r>
+              <a:rPr kumimoji="1" lang="ja-JP" altLang="en-US" dirty="0" smtClean="0">
+                <a:latin typeface="メイリオ"/>
+                <a:ea typeface="メイリオ"/>
+                <a:cs typeface="メイリオ"/>
+              </a:rPr>
+              <a:t>技術の手法や肝は？</a:t>
+            </a:r>
+            <a:endParaRPr kumimoji="1" lang="ja-JP" altLang="en-US" dirty="0">
+              <a:latin typeface="メイリオ"/>
+              <a:ea typeface="メイリオ"/>
+              <a:cs typeface="メイリオ"/>
+            </a:endParaRPr>
+          </a:p>
+        </p:txBody>
+      </p:sp>
+      <p:sp>
+        <p:nvSpPr>
+          <p:cNvPr id="8" name="ttl-どうやって有効だと検証した？"/>
+          <p:cNvSpPr/>
+          <p:nvPr/>
+        </p:nvSpPr>
+        <p:spPr>
+          <a:xfrm>
+            <a:off x="270738" y="5498498"/>
+            <a:ext cx="5454644" cy="604685"/>
+          </a:xfrm>
+          <a:prstGeom prst="roundRect">
+            <a:avLst/>
+          </a:prstGeom>
+        </p:spPr>
+        <p:style>
+          <a:lnRef idx="2">
+            <a:schemeClr val="accent3"/>
+          </a:lnRef>
+          <a:fillRef idx="1">
+            <a:schemeClr val="lt1"/>
+          </a:fillRef>
+          <a:effectRef idx="0">
+            <a:schemeClr val="accent3"/>
+          </a:effectRef>
+          <a:fontRef idx="minor">
+            <a:schemeClr val="dk1"/>
+          </a:fontRef>
+        </p:style>
+        <p:txBody>
+          <a:bodyPr rtlCol="0" anchor="ctr"/>
+          <a:lstStyle/>
+          <a:p>
+            <a:pPr algn="ctr"/>
+            <a:r>
+              <a:rPr kumimoji="1" lang="ja-JP" altLang="en-US" dirty="0" smtClean="0">
+                <a:latin typeface="メイリオ"/>
+                <a:ea typeface="メイリオ"/>
+                <a:cs typeface="メイリオ"/>
+              </a:rPr>
+              <a:t>どうやって有効だと検証した？</a:t>
+            </a:r>
+            <a:endParaRPr kumimoji="1" lang="ja-JP" altLang="en-US" dirty="0">
+              <a:latin typeface="メイリオ"/>
+              <a:ea typeface="メイリオ"/>
+              <a:cs typeface="メイリオ"/>
+            </a:endParaRPr>
+          </a:p>
+        </p:txBody>
+      </p:sp>
+      <p:sp>
+        <p:nvSpPr>
+          <p:cNvPr id="9" name="ttl-次に読むべき論文は？"/>
+          <p:cNvSpPr/>
+          <p:nvPr/>
+        </p:nvSpPr>
+        <p:spPr>
+          <a:xfrm>
+            <a:off x="6463551" y="5019402"/>
+            <a:ext cx="5420591" cy="604685"/>
+          </a:xfrm>
+          <a:prstGeom prst="roundRect">
+            <a:avLst/>
+          </a:prstGeom>
+        </p:spPr>
+        <p:style>
+          <a:lnRef idx="2">
+            <a:schemeClr val="accent3"/>
+          </a:lnRef>
+          <a:fillRef idx="1">
+            <a:schemeClr val="lt1"/>
+          </a:fillRef>
+          <a:effectRef idx="0">
+            <a:schemeClr val="accent3"/>
+          </a:effectRef>
+          <a:fontRef idx="minor">
+            <a:schemeClr val="dk1"/>
+          </a:fontRef>
+        </p:style>
+        <p:txBody>
+          <a:bodyPr rtlCol="0" anchor="ctr"/>
+          <a:lstStyle/>
+          <a:p>
+            <a:pPr algn="ctr"/>
+            <a:r>
+              <a:rPr kumimoji="1" lang="ja-JP" altLang="en-US" dirty="0" smtClean="0">
+                <a:latin typeface="メイリオ"/>
+                <a:ea typeface="メイリオ"/>
+                <a:cs typeface="メイリオ"/>
+              </a:rPr>
+              <a:t>次に読むべき論文は？</a:t>
+            </a:r>
+            <a:endParaRPr kumimoji="1" lang="ja-JP" altLang="en-US" dirty="0">
+              <a:latin typeface="メイリオ"/>
+              <a:ea typeface="メイリオ"/>
+              <a:cs typeface="メイリオ"/>
+            </a:endParaRPr>
+          </a:p>
+        </p:txBody>
+      </p:sp>
+      <p:sp>
+        <p:nvSpPr>
+          <p:cNvPr id="17" name="txt-次に読むべき論文は？"/>
+          <p:cNvSpPr txBox="1"/>
+          <p:nvPr/>
+        </p:nvSpPr>
+        <p:spPr>
+          <a:xfrm>
+            <a:off x="6463548" y="5720742"/>
+            <a:ext cx="5420591" cy="461665"/>
+          </a:xfrm>
+          <a:prstGeom prst="rect">
+            <a:avLst/>
+          </a:prstGeom>
+          <a:noFill/>
+          <a:ln>
+            <a:noFill/>
+          </a:ln>
+        </p:spPr>
+        <p:txBody>
+          <a:bodyPr wrap="square" rtlCol="0">
+            <a:spAutoFit/>
+          </a:bodyPr>
+          <a:lstStyle/>
+          <a:p>
+            <a:r>
+              <a:rPr lang="en-US" altLang="ja-JP" sz="1200" dirty="0" err="1" smtClean="0">
+                <a:latin typeface="メイリオ"/>
+                <a:ea typeface="メイリオ"/>
+                <a:cs typeface="メイリオ"/>
+              </a:rPr>
+              <a:t>ResNet</a:t>
+            </a:r>
+            <a:r>
+              <a:rPr lang="ja-JP" altLang="en-US" sz="1200" dirty="0" smtClean="0">
+                <a:latin typeface="メイリオ"/>
+                <a:ea typeface="メイリオ"/>
+                <a:cs typeface="メイリオ"/>
+              </a:rPr>
+              <a:t>を調べる</a:t>
+            </a:r>
+            <a:endParaRPr lang="en-US" altLang="ja-JP" sz="1200" dirty="0" smtClean="0">
+              <a:latin typeface="メイリオ"/>
+              <a:ea typeface="メイリオ"/>
+              <a:cs typeface="メイリオ"/>
+            </a:endParaRPr>
+          </a:p>
+          <a:p>
+            <a:pPr marL="171450" indent="-171450">
+              <a:buFont typeface="Arial"/>
+              <a:buChar char="•"/>
+            </a:pPr>
+            <a:r>
+              <a:rPr lang="en-US" altLang="ja-JP" sz="1200" dirty="0">
+                <a:latin typeface="メイリオ"/>
+                <a:ea typeface="メイリオ"/>
+                <a:cs typeface="メイリオ"/>
+              </a:rPr>
+              <a:t>Deep Residual Learning for Image </a:t>
+            </a:r>
+            <a:r>
+              <a:rPr lang="en-US" altLang="ja-JP" sz="1200" dirty="0" smtClean="0">
+                <a:latin typeface="メイリオ"/>
+                <a:ea typeface="メイリオ"/>
+                <a:cs typeface="メイリオ"/>
+              </a:rPr>
+              <a:t>Recognition, 2015</a:t>
+            </a:r>
+            <a:endParaRPr lang="ja-JP" altLang="ja-JP" sz="1200" dirty="0">
+              <a:latin typeface="メイリオ"/>
+              <a:ea typeface="メイリオ"/>
+              <a:cs typeface="メイリオ"/>
+            </a:endParaRPr>
+          </a:p>
+        </p:txBody>
+      </p:sp>
+      <p:sp>
+        <p:nvSpPr>
+          <p:cNvPr id="15" name="txt-どうやって有効だと検証した？"/>
+          <p:cNvSpPr txBox="1"/>
+          <p:nvPr/>
+        </p:nvSpPr>
+        <p:spPr>
+          <a:xfrm>
+            <a:off x="270738" y="6206837"/>
+            <a:ext cx="5420590" cy="276999"/>
+          </a:xfrm>
+          <a:prstGeom prst="rect">
+            <a:avLst/>
+          </a:prstGeom>
+          <a:noFill/>
+          <a:ln>
+            <a:noFill/>
+          </a:ln>
+        </p:spPr>
+        <p:txBody>
+          <a:bodyPr wrap="square" rtlCol="0">
+            <a:spAutoFit/>
+          </a:bodyPr>
+          <a:lstStyle/>
+          <a:p>
+            <a:pPr marL="171450" indent="-171450">
+              <a:buFont typeface="Arial"/>
+              <a:buChar char="•"/>
+            </a:pPr>
+            <a:r>
+              <a:rPr lang="ja-JP" altLang="en-US" sz="1200" smtClean="0">
+                <a:latin typeface="メイリオ"/>
+                <a:ea typeface="メイリオ"/>
+                <a:cs typeface="メイリオ"/>
+              </a:rPr>
+              <a:t>途中</a:t>
+            </a:r>
+            <a:endParaRPr lang="ja-JP" altLang="en-US" sz="1200" dirty="0" smtClean="0">
+              <a:latin typeface="メイリオ"/>
+              <a:ea typeface="メイリオ"/>
+              <a:cs typeface="メイリオ"/>
+            </a:endParaRPr>
+          </a:p>
+        </p:txBody>
+      </p:sp>
+      <p:sp>
+        <p:nvSpPr>
+          <p:cNvPr id="14" name="txt-技術の手法や肝は？"/>
+          <p:cNvSpPr txBox="1"/>
+          <p:nvPr/>
+        </p:nvSpPr>
+        <p:spPr>
+          <a:xfrm>
+            <a:off x="6463548" y="2349569"/>
+            <a:ext cx="5420591" cy="461665"/>
+          </a:xfrm>
+          <a:prstGeom prst="rect">
+            <a:avLst/>
+          </a:prstGeom>
+          <a:noFill/>
+          <a:ln>
+            <a:noFill/>
+          </a:ln>
+        </p:spPr>
+        <p:txBody>
+          <a:bodyPr wrap="square" rtlCol="0">
+            <a:spAutoFit/>
+          </a:bodyPr>
+          <a:lstStyle/>
+          <a:p>
+            <a:pPr marL="171450" indent="-171450">
+              <a:buFont typeface="Arial"/>
+              <a:buChar char="•"/>
+            </a:pPr>
+            <a:r>
+              <a:rPr kumimoji="1" lang="ja-JP" altLang="en-US" sz="1200" dirty="0" smtClean="0">
+                <a:latin typeface="メイリオ"/>
+                <a:ea typeface="メイリオ"/>
+                <a:cs typeface="メイリオ"/>
+              </a:rPr>
+              <a:t>ネットワークの途中でもクラス分類をする</a:t>
+            </a:r>
+            <a:r>
+              <a:rPr lang="ja-JP" altLang="en-US" sz="1200" dirty="0" smtClean="0">
+                <a:latin typeface="メイリオ"/>
+                <a:ea typeface="メイリオ"/>
+                <a:cs typeface="メイリオ"/>
+              </a:rPr>
+              <a:t>ための</a:t>
+            </a:r>
+            <a:r>
+              <a:rPr kumimoji="1" lang="ja-JP" altLang="en-US" sz="1200" dirty="0" smtClean="0">
+                <a:latin typeface="メイリオ"/>
+                <a:ea typeface="メイリオ"/>
+                <a:cs typeface="メイリオ"/>
+              </a:rPr>
+              <a:t>分岐を作り、分類と勾配計算をすることで、中間層での勾配消失と過学習を防いでいる。</a:t>
+            </a:r>
+          </a:p>
+        </p:txBody>
+      </p:sp>
+      <p:sp>
+        <p:nvSpPr>
+          <p:cNvPr id="13" name="txt-先行研究と比べて何がすごい？"/>
+          <p:cNvSpPr txBox="1"/>
+          <p:nvPr/>
+        </p:nvSpPr>
+        <p:spPr>
+          <a:xfrm>
+            <a:off x="6463548" y="4303218"/>
+            <a:ext cx="5420591" cy="276999"/>
+          </a:xfrm>
+          <a:prstGeom prst="rect">
+            <a:avLst/>
+          </a:prstGeom>
+          <a:noFill/>
+          <a:ln>
+            <a:noFill/>
+          </a:ln>
+        </p:spPr>
+        <p:txBody>
+          <a:bodyPr wrap="square" rtlCol="0">
+            <a:spAutoFit/>
+          </a:bodyPr>
+          <a:lstStyle/>
+          <a:p>
+            <a:pPr marL="171450" indent="-171450">
+              <a:buFont typeface="Arial"/>
+              <a:buChar char="•"/>
+            </a:pPr>
+            <a:r>
+              <a:rPr lang="ja-JP" altLang="en-US" sz="1200" dirty="0" smtClean="0">
+                <a:latin typeface="メイリオ"/>
+                <a:ea typeface="メイリオ"/>
+                <a:cs typeface="メイリオ"/>
+              </a:rPr>
+              <a:t>途中</a:t>
+            </a:r>
+            <a:endParaRPr lang="en-US" altLang="ja-JP" sz="1200" dirty="0">
+              <a:latin typeface="メイリオ"/>
+              <a:ea typeface="メイリオ"/>
+              <a:cs typeface="メイリオ"/>
+            </a:endParaRPr>
+          </a:p>
+        </p:txBody>
+      </p:sp>
+      <p:sp>
+        <p:nvSpPr>
+          <p:cNvPr id="12" name="txt-どんなもの？"/>
+          <p:cNvSpPr txBox="1"/>
+          <p:nvPr/>
+        </p:nvSpPr>
+        <p:spPr>
+          <a:xfrm>
+            <a:off x="304793" y="2423105"/>
+            <a:ext cx="5420590" cy="1200329"/>
+          </a:xfrm>
+          <a:prstGeom prst="rect">
+            <a:avLst/>
+          </a:prstGeom>
+          <a:noFill/>
+          <a:ln>
+            <a:noFill/>
+          </a:ln>
+        </p:spPr>
+        <p:txBody>
+          <a:bodyPr wrap="square" rtlCol="0">
+            <a:spAutoFit/>
+          </a:bodyPr>
+          <a:lstStyle/>
+          <a:p>
+            <a:pPr marL="171450" indent="-171450">
+              <a:buFont typeface="Arial"/>
+              <a:buChar char="•"/>
+            </a:pPr>
+            <a:r>
+              <a:rPr lang="ja-JP" altLang="en-US" sz="1200" dirty="0" smtClean="0">
+                <a:latin typeface="メイリオ"/>
+                <a:ea typeface="メイリオ"/>
+                <a:cs typeface="メイリオ"/>
+              </a:rPr>
+              <a:t>ネットワークの深さと幅を大きくすると計算コスト大＋過学習の恐れ</a:t>
+            </a:r>
+            <a:endParaRPr lang="en-US" altLang="ja-JP" sz="1200" dirty="0" smtClean="0">
+              <a:latin typeface="メイリオ"/>
+              <a:ea typeface="メイリオ"/>
+              <a:cs typeface="メイリオ"/>
+            </a:endParaRPr>
+          </a:p>
+          <a:p>
+            <a:pPr marL="171450" indent="-171450">
+              <a:buFont typeface="Arial"/>
+              <a:buChar char="•"/>
+            </a:pPr>
+            <a:r>
+              <a:rPr lang="en-US" altLang="ja-JP" sz="1200" dirty="0">
+                <a:latin typeface="メイリオ"/>
+                <a:ea typeface="メイリオ"/>
+                <a:cs typeface="メイリオ"/>
+              </a:rPr>
+              <a:t>fully </a:t>
+            </a:r>
+            <a:r>
+              <a:rPr lang="en-US" altLang="ja-JP" sz="1200" dirty="0" smtClean="0">
+                <a:latin typeface="メイリオ"/>
+                <a:ea typeface="メイリオ"/>
+                <a:cs typeface="メイリオ"/>
+              </a:rPr>
+              <a:t>connected</a:t>
+            </a:r>
+            <a:r>
+              <a:rPr lang="ja-JP" altLang="en-US" sz="1200" dirty="0" smtClean="0">
+                <a:latin typeface="メイリオ"/>
+                <a:ea typeface="メイリオ"/>
+                <a:cs typeface="メイリオ"/>
+              </a:rPr>
+              <a:t>ではなく</a:t>
+            </a:r>
+            <a:r>
+              <a:rPr lang="en-US" altLang="ja-JP" sz="1200" dirty="0" smtClean="0">
+                <a:latin typeface="メイリオ"/>
+                <a:ea typeface="メイリオ"/>
+                <a:cs typeface="メイリオ"/>
+              </a:rPr>
+              <a:t>sparsely </a:t>
+            </a:r>
+            <a:r>
+              <a:rPr lang="en-US" altLang="ja-JP" sz="1200" dirty="0">
+                <a:latin typeface="メイリオ"/>
+                <a:ea typeface="メイリオ"/>
+                <a:cs typeface="メイリオ"/>
+              </a:rPr>
+              <a:t>connected </a:t>
+            </a:r>
+            <a:r>
+              <a:rPr lang="en-US" altLang="ja-JP" sz="1200" dirty="0" smtClean="0">
+                <a:latin typeface="メイリオ"/>
+                <a:ea typeface="メイリオ"/>
+                <a:cs typeface="メイリオ"/>
+              </a:rPr>
+              <a:t>architectures</a:t>
+            </a:r>
+            <a:r>
+              <a:rPr lang="ja-JP" altLang="en-US" sz="1200" dirty="0" smtClean="0">
+                <a:latin typeface="メイリオ"/>
+                <a:ea typeface="メイリオ"/>
+                <a:cs typeface="メイリオ"/>
+              </a:rPr>
+              <a:t>が必要</a:t>
+            </a:r>
+            <a:endParaRPr lang="en-US" altLang="ja-JP" sz="1200" dirty="0" smtClean="0">
+              <a:latin typeface="メイリオ"/>
+              <a:ea typeface="メイリオ"/>
+              <a:cs typeface="メイリオ"/>
+            </a:endParaRPr>
+          </a:p>
+          <a:p>
+            <a:pPr marL="171450" indent="-171450">
+              <a:buFont typeface="Arial"/>
+              <a:buChar char="•"/>
+            </a:pPr>
+            <a:r>
+              <a:rPr lang="ja-JP" altLang="en-US" sz="1200" dirty="0" smtClean="0">
+                <a:latin typeface="メイリオ"/>
+                <a:ea typeface="メイリオ"/>
+                <a:cs typeface="メイリオ"/>
+              </a:rPr>
+              <a:t>でも</a:t>
+            </a:r>
+            <a:r>
+              <a:rPr lang="en-US" altLang="ja-JP" sz="1200" dirty="0" smtClean="0">
+                <a:latin typeface="メイリオ"/>
+                <a:ea typeface="メイリオ"/>
+                <a:cs typeface="メイリオ"/>
+              </a:rPr>
+              <a:t>non-uniform</a:t>
+            </a:r>
+            <a:r>
+              <a:rPr lang="ja-JP" altLang="en-US" sz="1200" dirty="0" smtClean="0">
+                <a:latin typeface="メイリオ"/>
+                <a:ea typeface="メイリオ"/>
+                <a:cs typeface="メイリオ"/>
+              </a:rPr>
+              <a:t>な疎行列計算は大変</a:t>
+            </a:r>
+            <a:endParaRPr lang="en-US" altLang="ja-JP" sz="1200" dirty="0" smtClean="0">
+              <a:latin typeface="メイリオ"/>
+              <a:ea typeface="メイリオ"/>
+              <a:cs typeface="メイリオ"/>
+            </a:endParaRPr>
+          </a:p>
+          <a:p>
+            <a:pPr marL="171450" indent="-171450">
+              <a:buFont typeface="Arial"/>
+              <a:buChar char="•"/>
+            </a:pPr>
+            <a:r>
+              <a:rPr lang="ja-JP" altLang="en-US" sz="1200" dirty="0" smtClean="0">
+                <a:latin typeface="メイリオ"/>
+                <a:ea typeface="メイリオ"/>
+                <a:cs typeface="メイリオ"/>
+              </a:rPr>
+              <a:t>そこで</a:t>
+            </a:r>
+            <a:r>
+              <a:rPr lang="en-US" altLang="ja-JP" sz="1200" dirty="0" smtClean="0">
+                <a:latin typeface="メイリオ"/>
+                <a:ea typeface="メイリオ"/>
+                <a:cs typeface="メイリオ"/>
+              </a:rPr>
+              <a:t>Inception module</a:t>
+            </a:r>
+            <a:r>
+              <a:rPr lang="ja-JP" altLang="en-US" sz="1200" dirty="0" smtClean="0">
+                <a:latin typeface="メイリオ"/>
+                <a:ea typeface="メイリオ"/>
+                <a:cs typeface="メイリオ"/>
+              </a:rPr>
+              <a:t>をサブネットワークとし、</a:t>
+            </a:r>
+            <a:r>
+              <a:rPr lang="en-US" altLang="ja-JP" sz="1200" dirty="0" smtClean="0">
+                <a:latin typeface="メイリオ"/>
+                <a:ea typeface="メイリオ"/>
+                <a:cs typeface="メイリオ"/>
+              </a:rPr>
+              <a:t>Network</a:t>
+            </a:r>
+            <a:r>
+              <a:rPr lang="en-US" altLang="ja-JP" sz="1200" dirty="0">
+                <a:latin typeface="メイリオ"/>
+                <a:ea typeface="メイリオ"/>
+                <a:cs typeface="メイリオ"/>
+              </a:rPr>
+              <a:t>-in-</a:t>
+            </a:r>
+            <a:r>
+              <a:rPr lang="en-US" altLang="ja-JP" sz="1200" dirty="0" smtClean="0">
+                <a:latin typeface="メイリオ"/>
+                <a:ea typeface="メイリオ"/>
+                <a:cs typeface="メイリオ"/>
+              </a:rPr>
+              <a:t>Network</a:t>
+            </a:r>
+            <a:r>
+              <a:rPr lang="ja-JP" altLang="en-US" sz="1200" dirty="0" smtClean="0">
+                <a:latin typeface="メイリオ"/>
+                <a:ea typeface="メイリオ"/>
+                <a:cs typeface="メイリオ"/>
+              </a:rPr>
+              <a:t>を構築する</a:t>
+            </a:r>
+            <a:endParaRPr lang="en-US" altLang="ja-JP" sz="1200" dirty="0" smtClean="0">
+              <a:latin typeface="メイリオ"/>
+              <a:ea typeface="メイリオ"/>
+              <a:cs typeface="メイリオ"/>
+            </a:endParaRPr>
+          </a:p>
+          <a:p>
+            <a:pPr marL="171450" indent="-171450">
+              <a:buFont typeface="Arial"/>
+              <a:buChar char="•"/>
+            </a:pPr>
+            <a:r>
+              <a:rPr lang="en-US" altLang="ja-JP" sz="1200" dirty="0">
+                <a:latin typeface="メイリオ"/>
+                <a:ea typeface="メイリオ"/>
+                <a:cs typeface="メイリオ"/>
+              </a:rPr>
+              <a:t>1</a:t>
+            </a:r>
+            <a:r>
+              <a:rPr lang="ja-JP" altLang="en-US" sz="1200" dirty="0">
+                <a:latin typeface="メイリオ"/>
+                <a:ea typeface="メイリオ"/>
+                <a:cs typeface="メイリオ"/>
+              </a:rPr>
+              <a:t>*</a:t>
+            </a:r>
+            <a:r>
+              <a:rPr lang="en-US" altLang="ja-JP" sz="1200" dirty="0">
+                <a:latin typeface="メイリオ"/>
+                <a:ea typeface="メイリオ"/>
+                <a:cs typeface="メイリオ"/>
+              </a:rPr>
+              <a:t>1</a:t>
+            </a:r>
+            <a:r>
+              <a:rPr lang="ja-JP" altLang="en-US" sz="1200" dirty="0">
+                <a:latin typeface="メイリオ"/>
+                <a:ea typeface="メイリオ"/>
+                <a:cs typeface="メイリオ"/>
+              </a:rPr>
+              <a:t>の畳み込み層は主に次元削減に利用</a:t>
+            </a:r>
+            <a:r>
+              <a:rPr lang="ja-JP" altLang="en-US" sz="1200" dirty="0" smtClean="0">
+                <a:latin typeface="メイリオ"/>
+                <a:ea typeface="メイリオ"/>
+                <a:cs typeface="メイリオ"/>
+              </a:rPr>
+              <a:t>される</a:t>
+            </a:r>
+            <a:endParaRPr lang="en-US" altLang="ja-JP" sz="1200" dirty="0">
+              <a:latin typeface="メイリオ"/>
+              <a:ea typeface="メイリオ"/>
+              <a:cs typeface="メイリオ"/>
+            </a:endParaRPr>
+          </a:p>
+        </p:txBody>
+      </p:sp>
+      <p:grpSp>
+        <p:nvGrpSpPr>
+          <p:cNvPr id="21" name="図形グループ 20"/>
+          <p:cNvGrpSpPr/>
+          <p:nvPr/>
+        </p:nvGrpSpPr>
+        <p:grpSpPr>
+          <a:xfrm>
+            <a:off x="0" y="-15650"/>
+            <a:ext cx="12192000" cy="1550628"/>
+            <a:chOff x="123986" y="23043"/>
+            <a:chExt cx="12192000" cy="1635874"/>
+          </a:xfrm>
+        </p:grpSpPr>
+        <p:sp>
+          <p:nvSpPr>
+            <p:cNvPr id="10" name="txt-背景シドー"/>
+            <p:cNvSpPr/>
+            <p:nvPr/>
+          </p:nvSpPr>
+          <p:spPr>
+            <a:xfrm>
+              <a:off x="123986" y="23043"/>
+              <a:ext cx="12192000" cy="1635874"/>
+            </a:xfrm>
+            <a:prstGeom prst="rect">
+              <a:avLst/>
+            </a:prstGeom>
+            <a:solidFill>
+              <a:schemeClr val="accent5">
+                <a:lumMod val="20000"/>
+                <a:lumOff val="80000"/>
+                <a:alpha val="86000"/>
+              </a:schemeClr>
+            </a:solidFill>
+          </p:spPr>
+          <p:style>
+            <a:lnRef idx="2">
+              <a:schemeClr val="accent1">
+                <a:shade val="50000"/>
+              </a:schemeClr>
+            </a:lnRef>
+            <a:fillRef idx="1">
+              <a:schemeClr val="accent1"/>
+            </a:fillRef>
+            <a:effectRef idx="0">
+              <a:schemeClr val="accent1"/>
+            </a:effectRef>
+            <a:fontRef idx="minor">
+              <a:schemeClr val="lt1"/>
+            </a:fontRef>
+          </p:style>
+          <p:txBody>
+            <a:bodyPr rtlCol="0" anchor="ctr"/>
+            <a:lstStyle/>
+            <a:p>
+              <a:pPr algn="ctr"/>
+              <a:endParaRPr kumimoji="1" lang="ja-JP" altLang="en-US" dirty="0">
+                <a:latin typeface="メイリオ"/>
+                <a:ea typeface="メイリオ"/>
+                <a:cs typeface="メイリオ"/>
+              </a:endParaRPr>
+            </a:p>
+          </p:txBody>
+        </p:sp>
+        <p:sp>
+          <p:nvSpPr>
+            <p:cNvPr id="18" name="テキスト ボックス 17"/>
+            <p:cNvSpPr txBox="1"/>
+            <p:nvPr/>
+          </p:nvSpPr>
+          <p:spPr>
+            <a:xfrm>
+              <a:off x="1271648" y="58425"/>
+              <a:ext cx="9900501" cy="389636"/>
+            </a:xfrm>
+            <a:prstGeom prst="rect">
+              <a:avLst/>
+            </a:prstGeom>
+            <a:noFill/>
+          </p:spPr>
+          <p:txBody>
+            <a:bodyPr wrap="square" rtlCol="0">
+              <a:spAutoFit/>
+            </a:bodyPr>
+            <a:lstStyle/>
+            <a:p>
+              <a:pPr algn="ctr"/>
+              <a:r>
+                <a:rPr lang="en-US" altLang="ja-JP" kern="0" dirty="0" err="1" smtClean="0">
+                  <a:latin typeface="メイリオ"/>
+                  <a:ea typeface="メイリオ"/>
+                  <a:cs typeface="メイリオ"/>
+                </a:rPr>
+                <a:t>GoogLeNet</a:t>
+              </a:r>
+              <a:r>
+                <a:rPr lang="en-US" altLang="ja-JP" kern="0" dirty="0" smtClean="0">
+                  <a:latin typeface="メイリオ"/>
+                  <a:ea typeface="メイリオ"/>
+                  <a:cs typeface="メイリオ"/>
+                </a:rPr>
+                <a:t>: </a:t>
+              </a:r>
+              <a:r>
+                <a:rPr lang="ja-JP" altLang="ja-JP" kern="0" dirty="0" smtClean="0">
+                  <a:latin typeface="メイリオ"/>
+                  <a:ea typeface="メイリオ"/>
+                  <a:cs typeface="メイリオ"/>
+                </a:rPr>
+                <a:t>G</a:t>
+              </a:r>
+              <a:r>
+                <a:rPr lang="en-US" altLang="ja-JP" kern="0" dirty="0" err="1" smtClean="0">
+                  <a:latin typeface="メイリオ"/>
+                  <a:ea typeface="メイリオ"/>
+                  <a:cs typeface="メイリオ"/>
+                </a:rPr>
+                <a:t>oing</a:t>
+              </a:r>
+              <a:r>
+                <a:rPr lang="ja-JP" altLang="en-US" kern="0" dirty="0" smtClean="0">
+                  <a:latin typeface="メイリオ"/>
+                  <a:ea typeface="メイリオ"/>
+                  <a:cs typeface="メイリオ"/>
+                </a:rPr>
+                <a:t> </a:t>
+              </a:r>
+              <a:r>
+                <a:rPr lang="en-US" altLang="ja-JP" kern="0" dirty="0" smtClean="0">
+                  <a:latin typeface="メイリオ"/>
+                  <a:ea typeface="メイリオ"/>
+                  <a:cs typeface="メイリオ"/>
+                </a:rPr>
+                <a:t>deeper</a:t>
+              </a:r>
+              <a:r>
+                <a:rPr lang="ja-JP" altLang="en-US" kern="0" dirty="0" smtClean="0">
+                  <a:latin typeface="メイリオ"/>
+                  <a:ea typeface="メイリオ"/>
+                  <a:cs typeface="メイリオ"/>
+                </a:rPr>
+                <a:t> </a:t>
+              </a:r>
+              <a:r>
+                <a:rPr lang="en-US" altLang="ja-JP" kern="0" dirty="0" smtClean="0">
+                  <a:latin typeface="メイリオ"/>
+                  <a:ea typeface="メイリオ"/>
+                  <a:cs typeface="メイリオ"/>
+                </a:rPr>
+                <a:t>with</a:t>
+              </a:r>
+              <a:r>
+                <a:rPr lang="ja-JP" altLang="en-US" kern="0" dirty="0" smtClean="0">
+                  <a:latin typeface="メイリオ"/>
+                  <a:ea typeface="メイリオ"/>
+                  <a:cs typeface="メイリオ"/>
+                </a:rPr>
+                <a:t> </a:t>
+              </a:r>
+              <a:r>
+                <a:rPr lang="en-US" altLang="ja-JP" kern="0" dirty="0" smtClean="0">
+                  <a:latin typeface="メイリオ"/>
+                  <a:ea typeface="メイリオ"/>
+                  <a:cs typeface="メイリオ"/>
+                </a:rPr>
+                <a:t>convolutions</a:t>
+              </a:r>
+              <a:endParaRPr lang="en-US" altLang="ja-JP" kern="0" dirty="0">
+                <a:latin typeface="メイリオ"/>
+                <a:ea typeface="メイリオ"/>
+                <a:cs typeface="メイリオ"/>
+              </a:endParaRPr>
+            </a:p>
+          </p:txBody>
+        </p:sp>
+        <p:sp>
+          <p:nvSpPr>
+            <p:cNvPr id="19" name="テキスト ボックス 18"/>
+            <p:cNvSpPr txBox="1"/>
+            <p:nvPr/>
+          </p:nvSpPr>
+          <p:spPr>
+            <a:xfrm>
+              <a:off x="2590462" y="565725"/>
+              <a:ext cx="7241993" cy="551984"/>
+            </a:xfrm>
+            <a:prstGeom prst="rect">
+              <a:avLst/>
+            </a:prstGeom>
+            <a:noFill/>
+          </p:spPr>
+          <p:txBody>
+            <a:bodyPr wrap="square" rtlCol="0">
+              <a:spAutoFit/>
+            </a:bodyPr>
+            <a:lstStyle/>
+            <a:p>
+              <a:pPr algn="ctr"/>
+              <a:r>
+                <a:rPr kumimoji="1" lang="ja-JP" altLang="en-US" sz="1400" dirty="0" smtClean="0">
+                  <a:solidFill>
+                    <a:srgbClr val="000000"/>
+                  </a:solidFill>
+                  <a:latin typeface="メイリオ"/>
+                  <a:ea typeface="メイリオ"/>
+                  <a:cs typeface="メイリオ"/>
+                </a:rPr>
+                <a:t>（</a:t>
+              </a:r>
+              <a:r>
+                <a:rPr kumimoji="1" lang="en-US" altLang="ja-JP" sz="1400" dirty="0" smtClean="0">
+                  <a:solidFill>
+                    <a:srgbClr val="000000"/>
+                  </a:solidFill>
+                  <a:latin typeface="メイリオ"/>
+                  <a:ea typeface="メイリオ"/>
+                  <a:cs typeface="メイリオ"/>
+                </a:rPr>
+                <a:t>201</a:t>
+              </a:r>
+              <a:r>
+                <a:rPr lang="en-US" altLang="ja-JP" sz="1400" dirty="0">
+                  <a:solidFill>
+                    <a:srgbClr val="000000"/>
+                  </a:solidFill>
+                  <a:latin typeface="メイリオ"/>
+                  <a:ea typeface="メイリオ"/>
+                  <a:cs typeface="メイリオ"/>
+                </a:rPr>
+                <a:t>4</a:t>
+              </a:r>
+              <a:r>
+                <a:rPr kumimoji="1" lang="ja-JP" altLang="en-US" sz="1400" dirty="0" smtClean="0">
+                  <a:solidFill>
+                    <a:srgbClr val="000000"/>
+                  </a:solidFill>
+                  <a:latin typeface="メイリオ"/>
+                  <a:ea typeface="メイリオ"/>
+                  <a:cs typeface="メイリオ"/>
+                </a:rPr>
+                <a:t>）</a:t>
+              </a:r>
+              <a:r>
+                <a:rPr lang="en-US" altLang="ja-JP" sz="1400" dirty="0">
+                  <a:solidFill>
+                    <a:srgbClr val="000000"/>
+                  </a:solidFill>
+                  <a:latin typeface="メイリオ"/>
+                  <a:ea typeface="メイリオ"/>
+                  <a:cs typeface="メイリオ"/>
+                </a:rPr>
+                <a:t>Christian </a:t>
+              </a:r>
+              <a:r>
+                <a:rPr lang="en-US" altLang="ja-JP" sz="1400" dirty="0" err="1">
+                  <a:solidFill>
+                    <a:srgbClr val="000000"/>
+                  </a:solidFill>
+                  <a:latin typeface="メイリオ"/>
+                  <a:ea typeface="メイリオ"/>
+                  <a:cs typeface="メイリオ"/>
+                </a:rPr>
+                <a:t>Szegedy</a:t>
+              </a:r>
+              <a:r>
+                <a:rPr lang="en-US" altLang="ja-JP" sz="1400" dirty="0">
+                  <a:solidFill>
+                    <a:srgbClr val="000000"/>
+                  </a:solidFill>
+                  <a:latin typeface="メイリオ"/>
+                  <a:ea typeface="メイリオ"/>
+                  <a:cs typeface="メイリオ"/>
+                </a:rPr>
+                <a:t>, Wei Liu, </a:t>
+              </a:r>
+              <a:r>
+                <a:rPr lang="en-US" altLang="ja-JP" sz="1400" dirty="0" err="1">
+                  <a:solidFill>
+                    <a:srgbClr val="000000"/>
+                  </a:solidFill>
+                  <a:latin typeface="メイリオ"/>
+                  <a:ea typeface="メイリオ"/>
+                  <a:cs typeface="メイリオ"/>
+                </a:rPr>
+                <a:t>Yangqing</a:t>
+              </a:r>
+              <a:r>
+                <a:rPr lang="en-US" altLang="ja-JP" sz="1400" dirty="0">
+                  <a:solidFill>
+                    <a:srgbClr val="000000"/>
+                  </a:solidFill>
+                  <a:latin typeface="メイリオ"/>
+                  <a:ea typeface="メイリオ"/>
+                  <a:cs typeface="メイリオ"/>
+                </a:rPr>
+                <a:t> </a:t>
+              </a:r>
+              <a:r>
+                <a:rPr lang="en-US" altLang="ja-JP" sz="1400" dirty="0" err="1">
+                  <a:solidFill>
+                    <a:srgbClr val="000000"/>
+                  </a:solidFill>
+                  <a:latin typeface="メイリオ"/>
+                  <a:ea typeface="メイリオ"/>
+                  <a:cs typeface="メイリオ"/>
+                </a:rPr>
+                <a:t>Jia</a:t>
+              </a:r>
+              <a:r>
+                <a:rPr lang="en-US" altLang="ja-JP" sz="1400" dirty="0">
+                  <a:solidFill>
+                    <a:srgbClr val="000000"/>
+                  </a:solidFill>
+                  <a:latin typeface="メイリオ"/>
+                  <a:ea typeface="メイリオ"/>
+                  <a:cs typeface="メイリオ"/>
+                </a:rPr>
+                <a:t>, Pierre </a:t>
+              </a:r>
+              <a:r>
+                <a:rPr lang="en-US" altLang="ja-JP" sz="1400" dirty="0" err="1">
+                  <a:solidFill>
+                    <a:srgbClr val="000000"/>
+                  </a:solidFill>
+                  <a:latin typeface="メイリオ"/>
+                  <a:ea typeface="メイリオ"/>
+                  <a:cs typeface="メイリオ"/>
+                </a:rPr>
+                <a:t>Sermanet</a:t>
+              </a:r>
+              <a:r>
+                <a:rPr lang="en-US" altLang="ja-JP" sz="1400" dirty="0">
+                  <a:solidFill>
+                    <a:srgbClr val="000000"/>
+                  </a:solidFill>
+                  <a:latin typeface="メイリオ"/>
+                  <a:ea typeface="メイリオ"/>
+                  <a:cs typeface="メイリオ"/>
+                </a:rPr>
+                <a:t>, Scott Reed, </a:t>
+              </a:r>
+              <a:r>
+                <a:rPr lang="en-US" altLang="ja-JP" sz="1400" dirty="0" err="1">
+                  <a:solidFill>
+                    <a:srgbClr val="000000"/>
+                  </a:solidFill>
+                  <a:latin typeface="メイリオ"/>
+                  <a:ea typeface="メイリオ"/>
+                  <a:cs typeface="メイリオ"/>
+                </a:rPr>
+                <a:t>Dragomir</a:t>
+              </a:r>
+              <a:r>
+                <a:rPr lang="en-US" altLang="ja-JP" sz="1400" dirty="0">
+                  <a:solidFill>
+                    <a:srgbClr val="000000"/>
+                  </a:solidFill>
+                  <a:latin typeface="メイリオ"/>
+                  <a:ea typeface="メイリオ"/>
+                  <a:cs typeface="メイリオ"/>
+                </a:rPr>
+                <a:t> </a:t>
+              </a:r>
+              <a:r>
+                <a:rPr lang="en-US" altLang="ja-JP" sz="1400" dirty="0" err="1">
+                  <a:solidFill>
+                    <a:srgbClr val="000000"/>
+                  </a:solidFill>
+                  <a:latin typeface="メイリオ"/>
+                  <a:ea typeface="メイリオ"/>
+                  <a:cs typeface="メイリオ"/>
+                </a:rPr>
+                <a:t>Anguelov</a:t>
+              </a:r>
+              <a:r>
+                <a:rPr lang="en-US" altLang="ja-JP" sz="1400" dirty="0">
+                  <a:solidFill>
+                    <a:srgbClr val="000000"/>
+                  </a:solidFill>
+                  <a:latin typeface="メイリオ"/>
+                  <a:ea typeface="メイリオ"/>
+                  <a:cs typeface="メイリオ"/>
+                </a:rPr>
+                <a:t>, </a:t>
+              </a:r>
+              <a:r>
+                <a:rPr lang="en-US" altLang="ja-JP" sz="1400" dirty="0" err="1">
+                  <a:solidFill>
+                    <a:srgbClr val="000000"/>
+                  </a:solidFill>
+                  <a:latin typeface="メイリオ"/>
+                  <a:ea typeface="メイリオ"/>
+                  <a:cs typeface="メイリオ"/>
+                </a:rPr>
+                <a:t>Dumitru</a:t>
+              </a:r>
+              <a:r>
+                <a:rPr lang="en-US" altLang="ja-JP" sz="1400" dirty="0">
+                  <a:solidFill>
+                    <a:srgbClr val="000000"/>
+                  </a:solidFill>
+                  <a:latin typeface="メイリオ"/>
+                  <a:ea typeface="メイリオ"/>
+                  <a:cs typeface="メイリオ"/>
+                </a:rPr>
+                <a:t> </a:t>
+              </a:r>
+              <a:r>
+                <a:rPr lang="en-US" altLang="ja-JP" sz="1400" dirty="0" err="1">
+                  <a:solidFill>
+                    <a:srgbClr val="000000"/>
+                  </a:solidFill>
+                  <a:latin typeface="メイリオ"/>
+                  <a:ea typeface="メイリオ"/>
+                  <a:cs typeface="メイリオ"/>
+                </a:rPr>
+                <a:t>Erhan</a:t>
+              </a:r>
+              <a:r>
+                <a:rPr lang="en-US" altLang="ja-JP" sz="1400" dirty="0">
+                  <a:solidFill>
+                    <a:srgbClr val="000000"/>
+                  </a:solidFill>
+                  <a:latin typeface="メイリオ"/>
+                  <a:ea typeface="メイリオ"/>
+                  <a:cs typeface="メイリオ"/>
+                </a:rPr>
+                <a:t>, Vincent </a:t>
+              </a:r>
+              <a:r>
+                <a:rPr lang="en-US" altLang="ja-JP" sz="1400" dirty="0" err="1">
+                  <a:solidFill>
+                    <a:srgbClr val="000000"/>
+                  </a:solidFill>
+                  <a:latin typeface="メイリオ"/>
+                  <a:ea typeface="メイリオ"/>
+                  <a:cs typeface="メイリオ"/>
+                </a:rPr>
+                <a:t>Vanhoucke</a:t>
+              </a:r>
+              <a:r>
+                <a:rPr lang="en-US" altLang="ja-JP" sz="1400" dirty="0">
+                  <a:solidFill>
+                    <a:srgbClr val="000000"/>
+                  </a:solidFill>
+                  <a:latin typeface="メイリオ"/>
+                  <a:ea typeface="メイリオ"/>
+                  <a:cs typeface="メイリオ"/>
+                </a:rPr>
+                <a:t>, Andrew </a:t>
+              </a:r>
+              <a:r>
+                <a:rPr lang="en-US" altLang="ja-JP" sz="1400" dirty="0" err="1">
+                  <a:solidFill>
+                    <a:srgbClr val="000000"/>
+                  </a:solidFill>
+                  <a:latin typeface="メイリオ"/>
+                  <a:ea typeface="メイリオ"/>
+                  <a:cs typeface="メイリオ"/>
+                </a:rPr>
+                <a:t>Rabinovich</a:t>
+              </a:r>
+              <a:endParaRPr lang="en-US" altLang="ja-JP" sz="1400" dirty="0">
+                <a:solidFill>
+                  <a:srgbClr val="000000"/>
+                </a:solidFill>
+                <a:latin typeface="メイリオ"/>
+                <a:ea typeface="メイリオ"/>
+                <a:cs typeface="メイリオ"/>
+              </a:endParaRPr>
+            </a:p>
+          </p:txBody>
+        </p:sp>
+        <p:sp>
+          <p:nvSpPr>
+            <p:cNvPr id="20" name="テキスト ボックス 19"/>
+            <p:cNvSpPr txBox="1"/>
+            <p:nvPr/>
+          </p:nvSpPr>
+          <p:spPr>
+            <a:xfrm>
+              <a:off x="2667000" y="1094636"/>
+              <a:ext cx="6858000" cy="324697"/>
+            </a:xfrm>
+            <a:prstGeom prst="rect">
+              <a:avLst/>
+            </a:prstGeom>
+            <a:noFill/>
+          </p:spPr>
+          <p:txBody>
+            <a:bodyPr wrap="square" rtlCol="0">
+              <a:spAutoFit/>
+            </a:bodyPr>
+            <a:lstStyle/>
+            <a:p>
+              <a:pPr algn="ctr"/>
+              <a:r>
+                <a:rPr lang="en-US" altLang="ja-JP" sz="1400" u="sng" dirty="0">
+                  <a:hlinkClick r:id="rId2"/>
+                </a:rPr>
+                <a:t>https://arxiv.org/pdf/1409.4842.</a:t>
+              </a:r>
+              <a:r>
+                <a:rPr lang="en-US" altLang="ja-JP" sz="1400" u="sng" dirty="0" smtClean="0">
+                  <a:hlinkClick r:id="rId2"/>
+                </a:rPr>
+                <a:t>pdf</a:t>
+              </a:r>
+              <a:endParaRPr lang="ja-JP" altLang="ja-JP" sz="1400" dirty="0"/>
+            </a:p>
+          </p:txBody>
+        </p:sp>
+      </p:grpSp>
+      <p:sp>
+        <p:nvSpPr>
+          <p:cNvPr id="2" name="テキスト ボックス 1"/>
+          <p:cNvSpPr txBox="1"/>
+          <p:nvPr/>
+        </p:nvSpPr>
+        <p:spPr>
+          <a:xfrm>
+            <a:off x="10309412" y="6545943"/>
+            <a:ext cx="1882588" cy="369332"/>
+          </a:xfrm>
+          <a:prstGeom prst="rect">
+            <a:avLst/>
+          </a:prstGeom>
+          <a:noFill/>
+        </p:spPr>
+        <p:txBody>
+          <a:bodyPr wrap="square" rtlCol="0">
+            <a:spAutoFit/>
+          </a:bodyPr>
+          <a:lstStyle/>
+          <a:p>
+            <a:pPr algn="ctr"/>
+            <a:r>
+              <a:rPr lang="en-US" altLang="en-US" dirty="0" smtClean="0">
+                <a:latin typeface="メイリオ"/>
+                <a:ea typeface="メイリオ"/>
+                <a:cs typeface="メイリオ"/>
+              </a:rPr>
+              <a:t>Jun 6</a:t>
+            </a:r>
+            <a:r>
+              <a:rPr lang="en-US" altLang="en-US" baseline="30000" dirty="0" smtClean="0">
+                <a:latin typeface="メイリオ"/>
+                <a:ea typeface="メイリオ"/>
+                <a:cs typeface="メイリオ"/>
+              </a:rPr>
+              <a:t>th</a:t>
+            </a:r>
+            <a:r>
+              <a:rPr lang="en-US" altLang="en-US" dirty="0" smtClean="0">
+                <a:latin typeface="メイリオ"/>
+                <a:ea typeface="メイリオ"/>
+                <a:cs typeface="メイリオ"/>
+              </a:rPr>
+              <a:t>, 2019</a:t>
+            </a:r>
+            <a:endParaRPr kumimoji="1" lang="ja-JP" altLang="en-US" dirty="0">
+              <a:latin typeface="メイリオ"/>
+              <a:ea typeface="メイリオ"/>
+              <a:cs typeface="メイリオ"/>
+            </a:endParaRPr>
+          </a:p>
+        </p:txBody>
+      </p:sp>
+      <p:pic>
+        <p:nvPicPr>
+          <p:cNvPr id="22" name="図 21" descr="スクリーンショット 2019-06-07 17.18.59.png"/>
+          <p:cNvPicPr>
+            <a:picLocks noChangeAspect="1"/>
+          </p:cNvPicPr>
+          <p:nvPr/>
+        </p:nvPicPr>
+        <p:blipFill>
+          <a:blip r:embed="rId3">
+            <a:extLst>
+              <a:ext uri="{28A0092B-C50C-407E-A947-70E740481C1C}">
+                <a14:useLocalDpi xmlns:a14="http://schemas.microsoft.com/office/drawing/2010/main" val="0"/>
+              </a:ext>
+            </a:extLst>
+          </a:blip>
+          <a:stretch>
+            <a:fillRect/>
+          </a:stretch>
+        </p:blipFill>
+        <p:spPr>
+          <a:xfrm>
+            <a:off x="657413" y="3628366"/>
+            <a:ext cx="4552817" cy="1630928"/>
+          </a:xfrm>
+          <a:prstGeom prst="rect">
+            <a:avLst/>
+          </a:prstGeom>
+        </p:spPr>
+      </p:pic>
+    </p:spTree>
+    <p:extLst>
+      <p:ext uri="{BB962C8B-B14F-4D97-AF65-F5344CB8AC3E}">
+        <p14:creationId xmlns:p14="http://schemas.microsoft.com/office/powerpoint/2010/main" val="601463110"/>
       </p:ext>
     </p:extLst>
   </p:cSld>
